--- a/櫻畑/資料/02.発表資料.pptx
+++ b/櫻畑/資料/02.発表資料.pptx
@@ -251,7 +251,7 @@
           <a:p>
             <a:fld id="{9878ED59-041D-4854-9794-01A302C6670C}" type="datetimeFigureOut">
               <a:rPr kumimoji="1" lang="ja-JP" altLang="en-US" smtClean="0"/>
-              <a:t>2015/11/4</a:t>
+              <a:t>2015/11/5</a:t>
             </a:fld>
             <a:endParaRPr kumimoji="1" lang="ja-JP" altLang="en-US"/>
           </a:p>
@@ -453,7 +453,7 @@
           <a:p>
             <a:fld id="{9878ED59-041D-4854-9794-01A302C6670C}" type="datetimeFigureOut">
               <a:rPr kumimoji="1" lang="ja-JP" altLang="en-US" smtClean="0"/>
-              <a:t>2015/11/4</a:t>
+              <a:t>2015/11/5</a:t>
             </a:fld>
             <a:endParaRPr kumimoji="1" lang="ja-JP" altLang="en-US"/>
           </a:p>
@@ -665,7 +665,7 @@
           <a:p>
             <a:fld id="{9878ED59-041D-4854-9794-01A302C6670C}" type="datetimeFigureOut">
               <a:rPr kumimoji="1" lang="ja-JP" altLang="en-US" smtClean="0"/>
-              <a:t>2015/11/4</a:t>
+              <a:t>2015/11/5</a:t>
             </a:fld>
             <a:endParaRPr kumimoji="1" lang="ja-JP" altLang="en-US"/>
           </a:p>
@@ -867,7 +867,7 @@
           <a:p>
             <a:fld id="{9878ED59-041D-4854-9794-01A302C6670C}" type="datetimeFigureOut">
               <a:rPr kumimoji="1" lang="ja-JP" altLang="en-US" smtClean="0"/>
-              <a:t>2015/11/4</a:t>
+              <a:t>2015/11/5</a:t>
             </a:fld>
             <a:endParaRPr kumimoji="1" lang="ja-JP" altLang="en-US"/>
           </a:p>
@@ -1113,7 +1113,7 @@
           <a:p>
             <a:fld id="{9878ED59-041D-4854-9794-01A302C6670C}" type="datetimeFigureOut">
               <a:rPr kumimoji="1" lang="ja-JP" altLang="en-US" smtClean="0"/>
-              <a:t>2015/11/4</a:t>
+              <a:t>2015/11/5</a:t>
             </a:fld>
             <a:endParaRPr kumimoji="1" lang="ja-JP" altLang="en-US"/>
           </a:p>
@@ -1409,7 +1409,7 @@
           <a:p>
             <a:fld id="{9878ED59-041D-4854-9794-01A302C6670C}" type="datetimeFigureOut">
               <a:rPr kumimoji="1" lang="ja-JP" altLang="en-US" smtClean="0"/>
-              <a:t>2015/11/4</a:t>
+              <a:t>2015/11/5</a:t>
             </a:fld>
             <a:endParaRPr kumimoji="1" lang="ja-JP" altLang="en-US"/>
           </a:p>
@@ -1840,7 +1840,7 @@
           <a:p>
             <a:fld id="{9878ED59-041D-4854-9794-01A302C6670C}" type="datetimeFigureOut">
               <a:rPr kumimoji="1" lang="ja-JP" altLang="en-US" smtClean="0"/>
-              <a:t>2015/11/4</a:t>
+              <a:t>2015/11/5</a:t>
             </a:fld>
             <a:endParaRPr kumimoji="1" lang="ja-JP" altLang="en-US"/>
           </a:p>
@@ -1958,7 +1958,7 @@
           <a:p>
             <a:fld id="{9878ED59-041D-4854-9794-01A302C6670C}" type="datetimeFigureOut">
               <a:rPr kumimoji="1" lang="ja-JP" altLang="en-US" smtClean="0"/>
-              <a:t>2015/11/4</a:t>
+              <a:t>2015/11/5</a:t>
             </a:fld>
             <a:endParaRPr kumimoji="1" lang="ja-JP" altLang="en-US"/>
           </a:p>
@@ -2053,7 +2053,7 @@
           <a:p>
             <a:fld id="{9878ED59-041D-4854-9794-01A302C6670C}" type="datetimeFigureOut">
               <a:rPr kumimoji="1" lang="ja-JP" altLang="en-US" smtClean="0"/>
-              <a:t>2015/11/4</a:t>
+              <a:t>2015/11/5</a:t>
             </a:fld>
             <a:endParaRPr kumimoji="1" lang="ja-JP" altLang="en-US"/>
           </a:p>
@@ -2362,7 +2362,7 @@
           <a:p>
             <a:fld id="{9878ED59-041D-4854-9794-01A302C6670C}" type="datetimeFigureOut">
               <a:rPr kumimoji="1" lang="ja-JP" altLang="en-US" smtClean="0"/>
-              <a:t>2015/11/4</a:t>
+              <a:t>2015/11/5</a:t>
             </a:fld>
             <a:endParaRPr kumimoji="1" lang="ja-JP" altLang="en-US"/>
           </a:p>
@@ -2615,7 +2615,7 @@
           <a:p>
             <a:fld id="{9878ED59-041D-4854-9794-01A302C6670C}" type="datetimeFigureOut">
               <a:rPr kumimoji="1" lang="ja-JP" altLang="en-US" smtClean="0"/>
-              <a:t>2015/11/4</a:t>
+              <a:t>2015/11/5</a:t>
             </a:fld>
             <a:endParaRPr kumimoji="1" lang="ja-JP" altLang="en-US"/>
           </a:p>
@@ -2860,7 +2860,7 @@
           <a:p>
             <a:fld id="{9878ED59-041D-4854-9794-01A302C6670C}" type="datetimeFigureOut">
               <a:rPr kumimoji="1" lang="ja-JP" altLang="en-US" smtClean="0"/>
-              <a:t>2015/11/4</a:t>
+              <a:t>2015/11/5</a:t>
             </a:fld>
             <a:endParaRPr kumimoji="1" lang="ja-JP" altLang="en-US"/>
           </a:p>
@@ -4778,7 +4778,7 @@
             <p:spPr>
               <a:xfrm>
                 <a:off x="4731280" y="2939841"/>
-                <a:ext cx="64553" cy="70606"/>
+                <a:ext cx="63143" cy="67034"/>
               </a:xfrm>
               <a:prstGeom prst="ellipse">
                 <a:avLst/>
@@ -5100,327 +5100,834 @@
           <a:chExt cx="0" cy="0"/>
         </a:xfrm>
       </p:grpSpPr>
-      <p:sp>
-        <p:nvSpPr>
-          <p:cNvPr id="2" name="テキスト ボックス 1"/>
-          <p:cNvSpPr txBox="1"/>
+      <p:grpSp>
+        <p:nvGrpSpPr>
+          <p:cNvPr id="24" name="グループ化 23"/>
+          <p:cNvGrpSpPr/>
           <p:nvPr/>
-        </p:nvSpPr>
-        <p:spPr>
+        </p:nvGrpSpPr>
+        <p:grpSpPr>
           <a:xfrm>
-            <a:off x="2871534" y="752890"/>
-            <a:ext cx="1811714" cy="369332"/>
+            <a:off x="1152115" y="671141"/>
+            <a:ext cx="4580737" cy="5484542"/>
+            <a:chOff x="1761715" y="747341"/>
+            <a:chExt cx="4580737" cy="5484542"/>
           </a:xfrm>
-          <a:prstGeom prst="rect">
-            <a:avLst/>
-          </a:prstGeom>
-        </p:spPr>
-        <p:style>
-          <a:lnRef idx="2">
-            <a:schemeClr val="dk1"/>
-          </a:lnRef>
-          <a:fillRef idx="1">
-            <a:schemeClr val="lt1"/>
-          </a:fillRef>
-          <a:effectRef idx="0">
-            <a:schemeClr val="dk1"/>
-          </a:effectRef>
-          <a:fontRef idx="minor">
-            <a:schemeClr val="dk1"/>
-          </a:fontRef>
-        </p:style>
-        <p:txBody>
-          <a:bodyPr wrap="none" rtlCol="0">
-            <a:spAutoFit/>
-          </a:bodyPr>
-          <a:lstStyle/>
-          <a:p>
-            <a:r>
-              <a:rPr kumimoji="1" lang="en-US" altLang="ja-JP" dirty="0" smtClean="0"/>
-              <a:t>OP</a:t>
-            </a:r>
-            <a:r>
-              <a:rPr kumimoji="1" lang="ja-JP" altLang="en-US" dirty="0" smtClean="0"/>
-              <a:t>アニメーション</a:t>
-            </a:r>
-            <a:endParaRPr kumimoji="1" lang="ja-JP" altLang="en-US" dirty="0"/>
-          </a:p>
-        </p:txBody>
-      </p:sp>
-      <p:sp>
-        <p:nvSpPr>
-          <p:cNvPr id="3" name="テキスト ボックス 2"/>
-          <p:cNvSpPr txBox="1"/>
-          <p:nvPr/>
-        </p:nvSpPr>
-        <p:spPr>
-          <a:xfrm>
-            <a:off x="3151869" y="1418819"/>
-            <a:ext cx="1251048" cy="369332"/>
-          </a:xfrm>
-          <a:prstGeom prst="rect">
-            <a:avLst/>
-          </a:prstGeom>
-        </p:spPr>
-        <p:style>
-          <a:lnRef idx="2">
-            <a:schemeClr val="dk1"/>
-          </a:lnRef>
-          <a:fillRef idx="1">
-            <a:schemeClr val="lt1"/>
-          </a:fillRef>
-          <a:effectRef idx="0">
-            <a:schemeClr val="dk1"/>
-          </a:effectRef>
-          <a:fontRef idx="minor">
-            <a:schemeClr val="dk1"/>
-          </a:fontRef>
-        </p:style>
-        <p:txBody>
-          <a:bodyPr wrap="none" rtlCol="0">
-            <a:spAutoFit/>
-          </a:bodyPr>
-          <a:lstStyle/>
-          <a:p>
-            <a:r>
-              <a:rPr kumimoji="1" lang="en-US" altLang="ja-JP" dirty="0" smtClean="0"/>
-              <a:t>Start</a:t>
-            </a:r>
-            <a:r>
-              <a:rPr kumimoji="1" lang="ja-JP" altLang="en-US" dirty="0" smtClean="0"/>
-              <a:t>シーン</a:t>
-            </a:r>
-            <a:endParaRPr kumimoji="1" lang="ja-JP" altLang="en-US" dirty="0"/>
-          </a:p>
-        </p:txBody>
-      </p:sp>
-      <p:sp>
-        <p:nvSpPr>
-          <p:cNvPr id="4" name="テキスト ボックス 3"/>
-          <p:cNvSpPr txBox="1"/>
-          <p:nvPr/>
-        </p:nvSpPr>
-        <p:spPr>
-          <a:xfrm>
-            <a:off x="3115159" y="2084747"/>
-            <a:ext cx="1324465" cy="369332"/>
-          </a:xfrm>
-          <a:prstGeom prst="rect">
-            <a:avLst/>
-          </a:prstGeom>
-        </p:spPr>
-        <p:style>
-          <a:lnRef idx="2">
-            <a:schemeClr val="dk1"/>
-          </a:lnRef>
-          <a:fillRef idx="1">
-            <a:schemeClr val="lt1"/>
-          </a:fillRef>
-          <a:effectRef idx="0">
-            <a:schemeClr val="dk1"/>
-          </a:effectRef>
-          <a:fontRef idx="minor">
-            <a:schemeClr val="dk1"/>
-          </a:fontRef>
-        </p:style>
-        <p:txBody>
-          <a:bodyPr wrap="none" rtlCol="0">
-            <a:spAutoFit/>
-          </a:bodyPr>
-          <a:lstStyle/>
-          <a:p>
-            <a:r>
-              <a:rPr kumimoji="1" lang="en-US" altLang="ja-JP" dirty="0" smtClean="0"/>
-              <a:t>Stage</a:t>
-            </a:r>
-            <a:r>
-              <a:rPr kumimoji="1" lang="ja-JP" altLang="en-US" dirty="0" smtClean="0"/>
-              <a:t>シーン</a:t>
-            </a:r>
-            <a:endParaRPr kumimoji="1" lang="en-US" altLang="ja-JP" dirty="0" smtClean="0"/>
-          </a:p>
-        </p:txBody>
-      </p:sp>
-      <p:sp>
-        <p:nvSpPr>
-          <p:cNvPr id="5" name="テキスト ボックス 4"/>
-          <p:cNvSpPr txBox="1"/>
-          <p:nvPr/>
-        </p:nvSpPr>
-        <p:spPr>
-          <a:xfrm>
-            <a:off x="3080727" y="2750676"/>
-            <a:ext cx="1393330" cy="369332"/>
-          </a:xfrm>
-          <a:prstGeom prst="rect">
-            <a:avLst/>
-          </a:prstGeom>
-        </p:spPr>
-        <p:style>
-          <a:lnRef idx="2">
-            <a:schemeClr val="dk1"/>
-          </a:lnRef>
-          <a:fillRef idx="1">
-            <a:schemeClr val="lt1"/>
-          </a:fillRef>
-          <a:effectRef idx="0">
-            <a:schemeClr val="dk1"/>
-          </a:effectRef>
-          <a:fontRef idx="minor">
-            <a:schemeClr val="dk1"/>
-          </a:fontRef>
-        </p:style>
-        <p:txBody>
-          <a:bodyPr wrap="none" rtlCol="0">
-            <a:spAutoFit/>
-          </a:bodyPr>
-          <a:lstStyle/>
-          <a:p>
-            <a:r>
-              <a:rPr kumimoji="1" lang="en-US" altLang="ja-JP" dirty="0" smtClean="0"/>
-              <a:t>Riddle</a:t>
-            </a:r>
-            <a:r>
-              <a:rPr lang="ja-JP" altLang="en-US" dirty="0" smtClean="0"/>
-              <a:t>シーン</a:t>
-            </a:r>
-            <a:endParaRPr kumimoji="1" lang="en-US" altLang="ja-JP" dirty="0" smtClean="0"/>
-          </a:p>
-        </p:txBody>
-      </p:sp>
-      <p:sp>
-        <p:nvSpPr>
-          <p:cNvPr id="6" name="テキスト ボックス 5"/>
-          <p:cNvSpPr txBox="1"/>
-          <p:nvPr/>
-        </p:nvSpPr>
-        <p:spPr>
-          <a:xfrm>
-            <a:off x="1844842" y="3415878"/>
-            <a:ext cx="1749197" cy="369332"/>
-          </a:xfrm>
-          <a:prstGeom prst="rect">
-            <a:avLst/>
-          </a:prstGeom>
-        </p:spPr>
-        <p:style>
-          <a:lnRef idx="2">
-            <a:schemeClr val="dk1"/>
-          </a:lnRef>
-          <a:fillRef idx="1">
-            <a:schemeClr val="lt1"/>
-          </a:fillRef>
-          <a:effectRef idx="0">
-            <a:schemeClr val="dk1"/>
-          </a:effectRef>
-          <a:fontRef idx="minor">
-            <a:schemeClr val="dk1"/>
-          </a:fontRef>
-        </p:style>
-        <p:txBody>
-          <a:bodyPr wrap="none" rtlCol="0">
-            <a:spAutoFit/>
-          </a:bodyPr>
-          <a:lstStyle/>
-          <a:p>
-            <a:r>
-              <a:rPr kumimoji="1" lang="ja-JP" altLang="en-US" dirty="0" smtClean="0"/>
-              <a:t>ゲームオーバー</a:t>
-            </a:r>
-            <a:endParaRPr kumimoji="1" lang="ja-JP" altLang="en-US" dirty="0"/>
-          </a:p>
-        </p:txBody>
-      </p:sp>
-      <p:sp>
-        <p:nvSpPr>
-          <p:cNvPr id="7" name="テキスト ボックス 6"/>
-          <p:cNvSpPr txBox="1"/>
-          <p:nvPr/>
-        </p:nvSpPr>
-        <p:spPr>
-          <a:xfrm>
-            <a:off x="3974563" y="3415878"/>
-            <a:ext cx="1417376" cy="369332"/>
-          </a:xfrm>
-          <a:prstGeom prst="rect">
-            <a:avLst/>
-          </a:prstGeom>
-        </p:spPr>
-        <p:style>
-          <a:lnRef idx="2">
-            <a:schemeClr val="dk1"/>
-          </a:lnRef>
-          <a:fillRef idx="1">
-            <a:schemeClr val="lt1"/>
-          </a:fillRef>
-          <a:effectRef idx="0">
-            <a:schemeClr val="dk1"/>
-          </a:effectRef>
-          <a:fontRef idx="minor">
-            <a:schemeClr val="dk1"/>
-          </a:fontRef>
-        </p:style>
-        <p:txBody>
-          <a:bodyPr wrap="none" rtlCol="0">
-            <a:spAutoFit/>
-          </a:bodyPr>
-          <a:lstStyle/>
-          <a:p>
-            <a:r>
-              <a:rPr kumimoji="1" lang="ja-JP" altLang="en-US" dirty="0" smtClean="0"/>
-              <a:t>ゲームクリア</a:t>
-            </a:r>
-            <a:endParaRPr kumimoji="1" lang="ja-JP" altLang="en-US" dirty="0"/>
-          </a:p>
-        </p:txBody>
-      </p:sp>
-      <p:sp>
-        <p:nvSpPr>
-          <p:cNvPr id="8" name="テキスト ボックス 7"/>
-          <p:cNvSpPr txBox="1"/>
-          <p:nvPr/>
-        </p:nvSpPr>
-        <p:spPr>
-          <a:xfrm>
-            <a:off x="4402917" y="4079626"/>
-            <a:ext cx="1810111" cy="369332"/>
-          </a:xfrm>
-          <a:prstGeom prst="rect">
-            <a:avLst/>
-          </a:prstGeom>
-        </p:spPr>
-        <p:style>
-          <a:lnRef idx="2">
-            <a:schemeClr val="dk1"/>
-          </a:lnRef>
-          <a:fillRef idx="1">
-            <a:schemeClr val="lt1"/>
-          </a:fillRef>
-          <a:effectRef idx="0">
-            <a:schemeClr val="dk1"/>
-          </a:effectRef>
-          <a:fontRef idx="minor">
-            <a:schemeClr val="dk1"/>
-          </a:fontRef>
-        </p:style>
-        <p:txBody>
-          <a:bodyPr wrap="none" rtlCol="0">
-            <a:spAutoFit/>
-          </a:bodyPr>
-          <a:lstStyle/>
-          <a:p>
-            <a:r>
-              <a:rPr kumimoji="1" lang="en-US" altLang="ja-JP" dirty="0" smtClean="0"/>
-              <a:t>ED</a:t>
-            </a:r>
-            <a:r>
-              <a:rPr kumimoji="1" lang="ja-JP" altLang="en-US" dirty="0" smtClean="0"/>
-              <a:t>アニメーション</a:t>
-            </a:r>
-            <a:endParaRPr kumimoji="1" lang="ja-JP" altLang="en-US" dirty="0"/>
-          </a:p>
-        </p:txBody>
-      </p:sp>
+        </p:grpSpPr>
+        <p:sp>
+          <p:nvSpPr>
+            <p:cNvPr id="5" name="テキスト ボックス 4"/>
+            <p:cNvSpPr txBox="1"/>
+            <p:nvPr/>
+          </p:nvSpPr>
+          <p:spPr>
+            <a:xfrm>
+              <a:off x="3046294" y="4161361"/>
+              <a:ext cx="1393330" cy="369332"/>
+            </a:xfrm>
+            <a:prstGeom prst="rect">
+              <a:avLst/>
+            </a:prstGeom>
+          </p:spPr>
+          <p:style>
+            <a:lnRef idx="2">
+              <a:schemeClr val="dk1"/>
+            </a:lnRef>
+            <a:fillRef idx="1">
+              <a:schemeClr val="lt1"/>
+            </a:fillRef>
+            <a:effectRef idx="0">
+              <a:schemeClr val="dk1"/>
+            </a:effectRef>
+            <a:fontRef idx="minor">
+              <a:schemeClr val="dk1"/>
+            </a:fontRef>
+          </p:style>
+          <p:txBody>
+            <a:bodyPr wrap="none" rtlCol="0">
+              <a:spAutoFit/>
+            </a:bodyPr>
+            <a:lstStyle/>
+            <a:p>
+              <a:r>
+                <a:rPr kumimoji="1" lang="en-US" altLang="ja-JP" dirty="0" smtClean="0"/>
+                <a:t>Riddle</a:t>
+              </a:r>
+              <a:r>
+                <a:rPr lang="ja-JP" altLang="en-US" dirty="0" smtClean="0"/>
+                <a:t>シーン</a:t>
+              </a:r>
+              <a:endParaRPr kumimoji="1" lang="en-US" altLang="ja-JP" dirty="0" smtClean="0"/>
+            </a:p>
+          </p:txBody>
+        </p:sp>
+        <p:grpSp>
+          <p:nvGrpSpPr>
+            <p:cNvPr id="23" name="グループ化 22"/>
+            <p:cNvGrpSpPr/>
+            <p:nvPr/>
+          </p:nvGrpSpPr>
+          <p:grpSpPr>
+            <a:xfrm>
+              <a:off x="1761715" y="747341"/>
+              <a:ext cx="4580737" cy="5484542"/>
+              <a:chOff x="1761715" y="747341"/>
+              <a:chExt cx="4580737" cy="5484542"/>
+            </a:xfrm>
+          </p:grpSpPr>
+          <p:sp>
+            <p:nvSpPr>
+              <p:cNvPr id="2" name="テキスト ボックス 1"/>
+              <p:cNvSpPr txBox="1"/>
+              <p:nvPr/>
+            </p:nvSpPr>
+            <p:spPr>
+              <a:xfrm>
+                <a:off x="2873766" y="747341"/>
+                <a:ext cx="1811714" cy="369332"/>
+              </a:xfrm>
+              <a:prstGeom prst="rect">
+                <a:avLst/>
+              </a:prstGeom>
+            </p:spPr>
+            <p:style>
+              <a:lnRef idx="2">
+                <a:schemeClr val="dk1"/>
+              </a:lnRef>
+              <a:fillRef idx="1">
+                <a:schemeClr val="lt1"/>
+              </a:fillRef>
+              <a:effectRef idx="0">
+                <a:schemeClr val="dk1"/>
+              </a:effectRef>
+              <a:fontRef idx="minor">
+                <a:schemeClr val="dk1"/>
+              </a:fontRef>
+            </p:style>
+            <p:txBody>
+              <a:bodyPr wrap="none" rtlCol="0">
+                <a:spAutoFit/>
+              </a:bodyPr>
+              <a:lstStyle/>
+              <a:p>
+                <a:r>
+                  <a:rPr kumimoji="1" lang="en-US" altLang="ja-JP" dirty="0" smtClean="0"/>
+                  <a:t>OP</a:t>
+                </a:r>
+                <a:r>
+                  <a:rPr kumimoji="1" lang="ja-JP" altLang="en-US" dirty="0" smtClean="0"/>
+                  <a:t>アニメーション</a:t>
+                </a:r>
+                <a:endParaRPr kumimoji="1" lang="ja-JP" altLang="en-US" dirty="0"/>
+              </a:p>
+            </p:txBody>
+          </p:sp>
+          <p:sp>
+            <p:nvSpPr>
+              <p:cNvPr id="3" name="テキスト ボックス 2"/>
+              <p:cNvSpPr txBox="1"/>
+              <p:nvPr/>
+            </p:nvSpPr>
+            <p:spPr>
+              <a:xfrm>
+                <a:off x="3151866" y="2456291"/>
+                <a:ext cx="1251048" cy="369332"/>
+              </a:xfrm>
+              <a:prstGeom prst="rect">
+                <a:avLst/>
+              </a:prstGeom>
+            </p:spPr>
+            <p:style>
+              <a:lnRef idx="2">
+                <a:schemeClr val="dk1"/>
+              </a:lnRef>
+              <a:fillRef idx="1">
+                <a:schemeClr val="lt1"/>
+              </a:fillRef>
+              <a:effectRef idx="0">
+                <a:schemeClr val="dk1"/>
+              </a:effectRef>
+              <a:fontRef idx="minor">
+                <a:schemeClr val="dk1"/>
+              </a:fontRef>
+            </p:style>
+            <p:txBody>
+              <a:bodyPr wrap="none" rtlCol="0">
+                <a:spAutoFit/>
+              </a:bodyPr>
+              <a:lstStyle/>
+              <a:p>
+                <a:r>
+                  <a:rPr kumimoji="1" lang="en-US" altLang="ja-JP" dirty="0" smtClean="0"/>
+                  <a:t>Start</a:t>
+                </a:r>
+                <a:r>
+                  <a:rPr kumimoji="1" lang="ja-JP" altLang="en-US" dirty="0" smtClean="0"/>
+                  <a:t>シーン</a:t>
+                </a:r>
+                <a:endParaRPr kumimoji="1" lang="ja-JP" altLang="en-US" dirty="0"/>
+              </a:p>
+            </p:txBody>
+          </p:sp>
+          <p:sp>
+            <p:nvSpPr>
+              <p:cNvPr id="4" name="テキスト ボックス 3"/>
+              <p:cNvSpPr txBox="1"/>
+              <p:nvPr/>
+            </p:nvSpPr>
+            <p:spPr>
+              <a:xfrm>
+                <a:off x="3115158" y="3310766"/>
+                <a:ext cx="1324465" cy="369332"/>
+              </a:xfrm>
+              <a:prstGeom prst="rect">
+                <a:avLst/>
+              </a:prstGeom>
+            </p:spPr>
+            <p:style>
+              <a:lnRef idx="2">
+                <a:schemeClr val="dk1"/>
+              </a:lnRef>
+              <a:fillRef idx="1">
+                <a:schemeClr val="lt1"/>
+              </a:fillRef>
+              <a:effectRef idx="0">
+                <a:schemeClr val="dk1"/>
+              </a:effectRef>
+              <a:fontRef idx="minor">
+                <a:schemeClr val="dk1"/>
+              </a:fontRef>
+            </p:style>
+            <p:txBody>
+              <a:bodyPr wrap="none" rtlCol="0">
+                <a:spAutoFit/>
+              </a:bodyPr>
+              <a:lstStyle/>
+              <a:p>
+                <a:r>
+                  <a:rPr kumimoji="1" lang="en-US" altLang="ja-JP" dirty="0" smtClean="0"/>
+                  <a:t>Stage</a:t>
+                </a:r>
+                <a:r>
+                  <a:rPr kumimoji="1" lang="ja-JP" altLang="en-US" dirty="0" smtClean="0"/>
+                  <a:t>シーン</a:t>
+                </a:r>
+                <a:endParaRPr kumimoji="1" lang="en-US" altLang="ja-JP" dirty="0" smtClean="0"/>
+              </a:p>
+            </p:txBody>
+          </p:sp>
+          <p:sp>
+            <p:nvSpPr>
+              <p:cNvPr id="6" name="テキスト ボックス 5"/>
+              <p:cNvSpPr txBox="1"/>
+              <p:nvPr/>
+            </p:nvSpPr>
+            <p:spPr>
+              <a:xfrm>
+                <a:off x="1761715" y="5011956"/>
+                <a:ext cx="1749197" cy="369332"/>
+              </a:xfrm>
+              <a:prstGeom prst="rect">
+                <a:avLst/>
+              </a:prstGeom>
+            </p:spPr>
+            <p:style>
+              <a:lnRef idx="2">
+                <a:schemeClr val="dk1"/>
+              </a:lnRef>
+              <a:fillRef idx="1">
+                <a:schemeClr val="lt1"/>
+              </a:fillRef>
+              <a:effectRef idx="0">
+                <a:schemeClr val="dk1"/>
+              </a:effectRef>
+              <a:fontRef idx="minor">
+                <a:schemeClr val="dk1"/>
+              </a:fontRef>
+            </p:style>
+            <p:txBody>
+              <a:bodyPr wrap="none" rtlCol="0">
+                <a:spAutoFit/>
+              </a:bodyPr>
+              <a:lstStyle/>
+              <a:p>
+                <a:r>
+                  <a:rPr kumimoji="1" lang="ja-JP" altLang="en-US" dirty="0" smtClean="0"/>
+                  <a:t>ゲームオーバー</a:t>
+                </a:r>
+                <a:endParaRPr kumimoji="1" lang="ja-JP" altLang="en-US" dirty="0"/>
+              </a:p>
+            </p:txBody>
+          </p:sp>
+          <p:sp>
+            <p:nvSpPr>
+              <p:cNvPr id="7" name="テキスト ボックス 6"/>
+              <p:cNvSpPr txBox="1"/>
+              <p:nvPr/>
+            </p:nvSpPr>
+            <p:spPr>
+              <a:xfrm>
+                <a:off x="3974560" y="5011956"/>
+                <a:ext cx="1417376" cy="369332"/>
+              </a:xfrm>
+              <a:prstGeom prst="rect">
+                <a:avLst/>
+              </a:prstGeom>
+            </p:spPr>
+            <p:style>
+              <a:lnRef idx="2">
+                <a:schemeClr val="dk1"/>
+              </a:lnRef>
+              <a:fillRef idx="1">
+                <a:schemeClr val="lt1"/>
+              </a:fillRef>
+              <a:effectRef idx="0">
+                <a:schemeClr val="dk1"/>
+              </a:effectRef>
+              <a:fontRef idx="minor">
+                <a:schemeClr val="dk1"/>
+              </a:fontRef>
+            </p:style>
+            <p:txBody>
+              <a:bodyPr wrap="none" rtlCol="0">
+                <a:spAutoFit/>
+              </a:bodyPr>
+              <a:lstStyle/>
+              <a:p>
+                <a:r>
+                  <a:rPr kumimoji="1" lang="ja-JP" altLang="en-US" dirty="0" smtClean="0"/>
+                  <a:t>ゲームクリア</a:t>
+                </a:r>
+                <a:endParaRPr kumimoji="1" lang="ja-JP" altLang="en-US" dirty="0"/>
+              </a:p>
+            </p:txBody>
+          </p:sp>
+          <p:sp>
+            <p:nvSpPr>
+              <p:cNvPr id="8" name="テキスト ボックス 7"/>
+              <p:cNvSpPr txBox="1"/>
+              <p:nvPr/>
+            </p:nvSpPr>
+            <p:spPr>
+              <a:xfrm>
+                <a:off x="4439624" y="5862551"/>
+                <a:ext cx="1810111" cy="369332"/>
+              </a:xfrm>
+              <a:prstGeom prst="rect">
+                <a:avLst/>
+              </a:prstGeom>
+            </p:spPr>
+            <p:style>
+              <a:lnRef idx="2">
+                <a:schemeClr val="dk1"/>
+              </a:lnRef>
+              <a:fillRef idx="1">
+                <a:schemeClr val="lt1"/>
+              </a:fillRef>
+              <a:effectRef idx="0">
+                <a:schemeClr val="dk1"/>
+              </a:effectRef>
+              <a:fontRef idx="minor">
+                <a:schemeClr val="dk1"/>
+              </a:fontRef>
+            </p:style>
+            <p:txBody>
+              <a:bodyPr wrap="none" rtlCol="0">
+                <a:spAutoFit/>
+              </a:bodyPr>
+              <a:lstStyle/>
+              <a:p>
+                <a:r>
+                  <a:rPr kumimoji="1" lang="en-US" altLang="ja-JP" dirty="0" smtClean="0"/>
+                  <a:t>ED</a:t>
+                </a:r>
+                <a:r>
+                  <a:rPr kumimoji="1" lang="ja-JP" altLang="en-US" dirty="0" smtClean="0"/>
+                  <a:t>アニメーション</a:t>
+                </a:r>
+                <a:endParaRPr kumimoji="1" lang="ja-JP" altLang="en-US" dirty="0"/>
+              </a:p>
+            </p:txBody>
+          </p:sp>
+          <p:sp>
+            <p:nvSpPr>
+              <p:cNvPr id="9" name="テキスト ボックス 8"/>
+              <p:cNvSpPr txBox="1"/>
+              <p:nvPr/>
+            </p:nvSpPr>
+            <p:spPr>
+              <a:xfrm>
+                <a:off x="3183125" y="1601816"/>
+                <a:ext cx="1188530" cy="369332"/>
+              </a:xfrm>
+              <a:prstGeom prst="rect">
+                <a:avLst/>
+              </a:prstGeom>
+            </p:spPr>
+            <p:style>
+              <a:lnRef idx="2">
+                <a:schemeClr val="dk1"/>
+              </a:lnRef>
+              <a:fillRef idx="1">
+                <a:schemeClr val="lt1"/>
+              </a:fillRef>
+              <a:effectRef idx="0">
+                <a:schemeClr val="dk1"/>
+              </a:effectRef>
+              <a:fontRef idx="minor">
+                <a:schemeClr val="dk1"/>
+              </a:fontRef>
+            </p:style>
+            <p:txBody>
+              <a:bodyPr wrap="none" rtlCol="0">
+                <a:spAutoFit/>
+              </a:bodyPr>
+              <a:lstStyle/>
+              <a:p>
+                <a:r>
+                  <a:rPr kumimoji="1" lang="en-US" altLang="ja-JP" dirty="0" err="1" smtClean="0"/>
+                  <a:t>GameStart</a:t>
+                </a:r>
+                <a:endParaRPr kumimoji="1" lang="ja-JP" altLang="en-US" dirty="0"/>
+              </a:p>
+            </p:txBody>
+          </p:sp>
+          <p:sp>
+            <p:nvSpPr>
+              <p:cNvPr id="10" name="屈折矢印 9"/>
+              <p:cNvSpPr/>
+              <p:nvPr/>
+            </p:nvSpPr>
+            <p:spPr>
+              <a:xfrm rot="16200000">
+                <a:off x="3085498" y="2819487"/>
+                <a:ext cx="4185828" cy="1613510"/>
+              </a:xfrm>
+              <a:prstGeom prst="bentUpArrow">
+                <a:avLst>
+                  <a:gd name="adj1" fmla="val 12260"/>
+                  <a:gd name="adj2" fmla="val 15616"/>
+                  <a:gd name="adj3" fmla="val 18663"/>
+                </a:avLst>
+              </a:prstGeom>
+            </p:spPr>
+            <p:style>
+              <a:lnRef idx="1">
+                <a:schemeClr val="accent6"/>
+              </a:lnRef>
+              <a:fillRef idx="2">
+                <a:schemeClr val="accent6"/>
+              </a:fillRef>
+              <a:effectRef idx="1">
+                <a:schemeClr val="accent6"/>
+              </a:effectRef>
+              <a:fontRef idx="minor">
+                <a:schemeClr val="dk1"/>
+              </a:fontRef>
+            </p:style>
+            <p:txBody>
+              <a:bodyPr rtlCol="0" anchor="ctr"/>
+              <a:lstStyle/>
+              <a:p>
+                <a:pPr algn="ctr"/>
+                <a:endParaRPr kumimoji="1" lang="ja-JP" altLang="en-US"/>
+              </a:p>
+            </p:txBody>
+          </p:sp>
+          <p:sp>
+            <p:nvSpPr>
+              <p:cNvPr id="11" name="屈折矢印 10"/>
+              <p:cNvSpPr/>
+              <p:nvPr/>
+            </p:nvSpPr>
+            <p:spPr>
+              <a:xfrm rot="5400000" flipH="1">
+                <a:off x="862929" y="2598949"/>
+                <a:ext cx="3354557" cy="1223312"/>
+              </a:xfrm>
+              <a:prstGeom prst="bentUpArrow">
+                <a:avLst>
+                  <a:gd name="adj1" fmla="val 15902"/>
+                  <a:gd name="adj2" fmla="val 19532"/>
+                  <a:gd name="adj3" fmla="val 20349"/>
+                </a:avLst>
+              </a:prstGeom>
+            </p:spPr>
+            <p:style>
+              <a:lnRef idx="1">
+                <a:schemeClr val="accent6"/>
+              </a:lnRef>
+              <a:fillRef idx="2">
+                <a:schemeClr val="accent6"/>
+              </a:fillRef>
+              <a:effectRef idx="1">
+                <a:schemeClr val="accent6"/>
+              </a:effectRef>
+              <a:fontRef idx="minor">
+                <a:schemeClr val="dk1"/>
+              </a:fontRef>
+            </p:style>
+            <p:txBody>
+              <a:bodyPr rtlCol="0" anchor="ctr"/>
+              <a:lstStyle/>
+              <a:p>
+                <a:pPr algn="ctr"/>
+                <a:endParaRPr kumimoji="1" lang="ja-JP" altLang="en-US"/>
+              </a:p>
+            </p:txBody>
+          </p:sp>
+          <p:sp>
+            <p:nvSpPr>
+              <p:cNvPr id="12" name="下矢印 11"/>
+              <p:cNvSpPr/>
+              <p:nvPr/>
+            </p:nvSpPr>
+            <p:spPr>
+              <a:xfrm>
+                <a:off x="3591409" y="1124433"/>
+                <a:ext cx="303099" cy="473503"/>
+              </a:xfrm>
+              <a:prstGeom prst="downArrow">
+                <a:avLst>
+                  <a:gd name="adj1" fmla="val 34122"/>
+                  <a:gd name="adj2" fmla="val 55573"/>
+                </a:avLst>
+              </a:prstGeom>
+            </p:spPr>
+            <p:style>
+              <a:lnRef idx="1">
+                <a:schemeClr val="accent6"/>
+              </a:lnRef>
+              <a:fillRef idx="2">
+                <a:schemeClr val="accent6"/>
+              </a:fillRef>
+              <a:effectRef idx="1">
+                <a:schemeClr val="accent6"/>
+              </a:effectRef>
+              <a:fontRef idx="minor">
+                <a:schemeClr val="dk1"/>
+              </a:fontRef>
+            </p:style>
+            <p:txBody>
+              <a:bodyPr rtlCol="0" anchor="ctr"/>
+              <a:lstStyle/>
+              <a:p>
+                <a:pPr algn="ctr"/>
+                <a:endParaRPr kumimoji="1" lang="ja-JP" altLang="en-US"/>
+              </a:p>
+            </p:txBody>
+          </p:sp>
+          <p:sp>
+            <p:nvSpPr>
+              <p:cNvPr id="13" name="下矢印 12"/>
+              <p:cNvSpPr/>
+              <p:nvPr/>
+            </p:nvSpPr>
+            <p:spPr>
+              <a:xfrm>
+                <a:off x="3589622" y="1975028"/>
+                <a:ext cx="303099" cy="477383"/>
+              </a:xfrm>
+              <a:prstGeom prst="downArrow">
+                <a:avLst>
+                  <a:gd name="adj1" fmla="val 34122"/>
+                  <a:gd name="adj2" fmla="val 55573"/>
+                </a:avLst>
+              </a:prstGeom>
+            </p:spPr>
+            <p:style>
+              <a:lnRef idx="1">
+                <a:schemeClr val="accent6"/>
+              </a:lnRef>
+              <a:fillRef idx="2">
+                <a:schemeClr val="accent6"/>
+              </a:fillRef>
+              <a:effectRef idx="1">
+                <a:schemeClr val="accent6"/>
+              </a:effectRef>
+              <a:fontRef idx="minor">
+                <a:schemeClr val="dk1"/>
+              </a:fontRef>
+            </p:style>
+            <p:txBody>
+              <a:bodyPr rtlCol="0" anchor="ctr"/>
+              <a:lstStyle/>
+              <a:p>
+                <a:pPr algn="ctr"/>
+                <a:endParaRPr kumimoji="1" lang="ja-JP" altLang="en-US"/>
+              </a:p>
+            </p:txBody>
+          </p:sp>
+          <p:sp>
+            <p:nvSpPr>
+              <p:cNvPr id="14" name="下矢印 13"/>
+              <p:cNvSpPr/>
+              <p:nvPr/>
+            </p:nvSpPr>
+            <p:spPr>
+              <a:xfrm>
+                <a:off x="3588972" y="2829503"/>
+                <a:ext cx="303099" cy="477383"/>
+              </a:xfrm>
+              <a:prstGeom prst="downArrow">
+                <a:avLst>
+                  <a:gd name="adj1" fmla="val 34122"/>
+                  <a:gd name="adj2" fmla="val 55573"/>
+                </a:avLst>
+              </a:prstGeom>
+            </p:spPr>
+            <p:style>
+              <a:lnRef idx="1">
+                <a:schemeClr val="accent6"/>
+              </a:lnRef>
+              <a:fillRef idx="2">
+                <a:schemeClr val="accent6"/>
+              </a:fillRef>
+              <a:effectRef idx="1">
+                <a:schemeClr val="accent6"/>
+              </a:effectRef>
+              <a:fontRef idx="minor">
+                <a:schemeClr val="dk1"/>
+              </a:fontRef>
+            </p:style>
+            <p:txBody>
+              <a:bodyPr rtlCol="0" anchor="ctr"/>
+              <a:lstStyle/>
+              <a:p>
+                <a:pPr algn="ctr"/>
+                <a:endParaRPr kumimoji="1" lang="ja-JP" altLang="en-US"/>
+              </a:p>
+            </p:txBody>
+          </p:sp>
+          <p:sp>
+            <p:nvSpPr>
+              <p:cNvPr id="15" name="下矢印 14"/>
+              <p:cNvSpPr/>
+              <p:nvPr/>
+            </p:nvSpPr>
+            <p:spPr>
+              <a:xfrm>
+                <a:off x="3588972" y="3680098"/>
+                <a:ext cx="303099" cy="477383"/>
+              </a:xfrm>
+              <a:prstGeom prst="downArrow">
+                <a:avLst>
+                  <a:gd name="adj1" fmla="val 34122"/>
+                  <a:gd name="adj2" fmla="val 55573"/>
+                </a:avLst>
+              </a:prstGeom>
+            </p:spPr>
+            <p:style>
+              <a:lnRef idx="1">
+                <a:schemeClr val="accent6"/>
+              </a:lnRef>
+              <a:fillRef idx="2">
+                <a:schemeClr val="accent6"/>
+              </a:fillRef>
+              <a:effectRef idx="1">
+                <a:schemeClr val="accent6"/>
+              </a:effectRef>
+              <a:fontRef idx="minor">
+                <a:schemeClr val="dk1"/>
+              </a:fontRef>
+            </p:style>
+            <p:txBody>
+              <a:bodyPr rtlCol="0" anchor="ctr"/>
+              <a:lstStyle/>
+              <a:p>
+                <a:pPr algn="ctr"/>
+                <a:endParaRPr kumimoji="1" lang="ja-JP" altLang="en-US"/>
+              </a:p>
+            </p:txBody>
+          </p:sp>
+          <p:sp>
+            <p:nvSpPr>
+              <p:cNvPr id="16" name="下矢印 15"/>
+              <p:cNvSpPr/>
+              <p:nvPr/>
+            </p:nvSpPr>
+            <p:spPr>
+              <a:xfrm>
+                <a:off x="3031575" y="4542333"/>
+                <a:ext cx="303099" cy="477383"/>
+              </a:xfrm>
+              <a:prstGeom prst="downArrow">
+                <a:avLst>
+                  <a:gd name="adj1" fmla="val 34122"/>
+                  <a:gd name="adj2" fmla="val 55573"/>
+                </a:avLst>
+              </a:prstGeom>
+            </p:spPr>
+            <p:style>
+              <a:lnRef idx="1">
+                <a:schemeClr val="accent6"/>
+              </a:lnRef>
+              <a:fillRef idx="2">
+                <a:schemeClr val="accent6"/>
+              </a:fillRef>
+              <a:effectRef idx="1">
+                <a:schemeClr val="accent6"/>
+              </a:effectRef>
+              <a:fontRef idx="minor">
+                <a:schemeClr val="dk1"/>
+              </a:fontRef>
+            </p:style>
+            <p:txBody>
+              <a:bodyPr rtlCol="0" anchor="ctr"/>
+              <a:lstStyle/>
+              <a:p>
+                <a:pPr algn="ctr"/>
+                <a:endParaRPr kumimoji="1" lang="ja-JP" altLang="en-US"/>
+              </a:p>
+            </p:txBody>
+          </p:sp>
+          <p:sp>
+            <p:nvSpPr>
+              <p:cNvPr id="17" name="下矢印 16"/>
+              <p:cNvSpPr/>
+              <p:nvPr/>
+            </p:nvSpPr>
+            <p:spPr>
+              <a:xfrm>
+                <a:off x="4103338" y="4542333"/>
+                <a:ext cx="303099" cy="477383"/>
+              </a:xfrm>
+              <a:prstGeom prst="downArrow">
+                <a:avLst>
+                  <a:gd name="adj1" fmla="val 34122"/>
+                  <a:gd name="adj2" fmla="val 55573"/>
+                </a:avLst>
+              </a:prstGeom>
+            </p:spPr>
+            <p:style>
+              <a:lnRef idx="1">
+                <a:schemeClr val="accent6"/>
+              </a:lnRef>
+              <a:fillRef idx="2">
+                <a:schemeClr val="accent6"/>
+              </a:fillRef>
+              <a:effectRef idx="1">
+                <a:schemeClr val="accent6"/>
+              </a:effectRef>
+              <a:fontRef idx="minor">
+                <a:schemeClr val="dk1"/>
+              </a:fontRef>
+            </p:style>
+            <p:txBody>
+              <a:bodyPr rtlCol="0" anchor="ctr"/>
+              <a:lstStyle/>
+              <a:p>
+                <a:pPr algn="ctr"/>
+                <a:endParaRPr kumimoji="1" lang="ja-JP" altLang="en-US"/>
+              </a:p>
+            </p:txBody>
+          </p:sp>
+          <p:sp>
+            <p:nvSpPr>
+              <p:cNvPr id="18" name="下矢印 17"/>
+              <p:cNvSpPr/>
+              <p:nvPr/>
+            </p:nvSpPr>
+            <p:spPr>
+              <a:xfrm>
+                <a:off x="4683248" y="5390772"/>
+                <a:ext cx="303099" cy="477383"/>
+              </a:xfrm>
+              <a:prstGeom prst="downArrow">
+                <a:avLst>
+                  <a:gd name="adj1" fmla="val 34122"/>
+                  <a:gd name="adj2" fmla="val 55573"/>
+                </a:avLst>
+              </a:prstGeom>
+            </p:spPr>
+            <p:style>
+              <a:lnRef idx="1">
+                <a:schemeClr val="accent6"/>
+              </a:lnRef>
+              <a:fillRef idx="2">
+                <a:schemeClr val="accent6"/>
+              </a:fillRef>
+              <a:effectRef idx="1">
+                <a:schemeClr val="accent6"/>
+              </a:effectRef>
+              <a:fontRef idx="minor">
+                <a:schemeClr val="dk1"/>
+              </a:fontRef>
+            </p:style>
+            <p:txBody>
+              <a:bodyPr rtlCol="0" anchor="ctr"/>
+              <a:lstStyle/>
+              <a:p>
+                <a:pPr algn="ctr"/>
+                <a:endParaRPr kumimoji="1" lang="ja-JP" altLang="en-US"/>
+              </a:p>
+            </p:txBody>
+          </p:sp>
+          <p:sp>
+            <p:nvSpPr>
+              <p:cNvPr id="19" name="テキスト ボックス 18"/>
+              <p:cNvSpPr txBox="1"/>
+              <p:nvPr/>
+            </p:nvSpPr>
+            <p:spPr>
+              <a:xfrm>
+                <a:off x="4994006" y="806956"/>
+                <a:ext cx="1348446" cy="307777"/>
+              </a:xfrm>
+              <a:prstGeom prst="rect">
+                <a:avLst/>
+              </a:prstGeom>
+              <a:noFill/>
+            </p:spPr>
+            <p:txBody>
+              <a:bodyPr wrap="none" rtlCol="0">
+                <a:spAutoFit/>
+              </a:bodyPr>
+              <a:lstStyle/>
+              <a:p>
+                <a:r>
+                  <a:rPr kumimoji="1" lang="ja-JP" altLang="en-US" sz="1400" dirty="0" smtClean="0"/>
+                  <a:t>スキップ可能？</a:t>
+                </a:r>
+                <a:endParaRPr kumimoji="1" lang="ja-JP" altLang="en-US" sz="1400" dirty="0"/>
+              </a:p>
+            </p:txBody>
+          </p:sp>
+          <p:cxnSp>
+            <p:nvCxnSpPr>
+              <p:cNvPr id="21" name="直線矢印コネクタ 20"/>
+              <p:cNvCxnSpPr/>
+              <p:nvPr/>
+            </p:nvCxnSpPr>
+            <p:spPr>
+              <a:xfrm flipH="1">
+                <a:off x="4708784" y="960844"/>
+                <a:ext cx="337828" cy="0"/>
+              </a:xfrm>
+              <a:prstGeom prst="straightConnector1">
+                <a:avLst/>
+              </a:prstGeom>
+              <a:ln>
+                <a:tailEnd type="triangle"/>
+              </a:ln>
+            </p:spPr>
+            <p:style>
+              <a:lnRef idx="1">
+                <a:schemeClr val="accent1"/>
+              </a:lnRef>
+              <a:fillRef idx="0">
+                <a:schemeClr val="accent1"/>
+              </a:fillRef>
+              <a:effectRef idx="0">
+                <a:schemeClr val="accent1"/>
+              </a:effectRef>
+              <a:fontRef idx="minor">
+                <a:schemeClr val="tx1"/>
+              </a:fontRef>
+            </p:style>
+          </p:cxnSp>
+        </p:grpSp>
+      </p:grpSp>
     </p:spTree>
     <p:extLst>
       <p:ext uri="{BB962C8B-B14F-4D97-AF65-F5344CB8AC3E}">

--- a/櫻畑/資料/02.発表資料.pptx
+++ b/櫻畑/資料/02.発表資料.pptx
@@ -5500,8 +5500,8 @@
             </p:nvSpPr>
             <p:spPr>
               <a:xfrm rot="16200000">
-                <a:off x="3085498" y="2819487"/>
-                <a:ext cx="4185828" cy="1613510"/>
+                <a:off x="2949009" y="2955974"/>
+                <a:ext cx="4329224" cy="1483927"/>
               </a:xfrm>
               <a:prstGeom prst="bentUpArrow">
                 <a:avLst>
@@ -5542,8 +5542,8 @@
             </p:nvSpPr>
             <p:spPr>
               <a:xfrm rot="5400000" flipH="1">
-                <a:off x="862929" y="2598949"/>
-                <a:ext cx="3354557" cy="1223312"/>
+                <a:off x="242596" y="2420386"/>
+                <a:ext cx="4205000" cy="978139"/>
               </a:xfrm>
               <a:prstGeom prst="bentUpArrow">
                 <a:avLst>
@@ -5928,6 +5928,771 @@
           </p:cxnSp>
         </p:grpSp>
       </p:grpSp>
+      <p:grpSp>
+        <p:nvGrpSpPr>
+          <p:cNvPr id="25" name="グループ化 24"/>
+          <p:cNvGrpSpPr/>
+          <p:nvPr/>
+        </p:nvGrpSpPr>
+        <p:grpSpPr>
+          <a:xfrm>
+            <a:off x="7057615" y="730755"/>
+            <a:ext cx="4488020" cy="5484542"/>
+            <a:chOff x="1761715" y="747341"/>
+            <a:chExt cx="4488020" cy="5484542"/>
+          </a:xfrm>
+        </p:grpSpPr>
+        <p:sp>
+          <p:nvSpPr>
+            <p:cNvPr id="26" name="テキスト ボックス 25"/>
+            <p:cNvSpPr txBox="1"/>
+            <p:nvPr/>
+          </p:nvSpPr>
+          <p:spPr>
+            <a:xfrm>
+              <a:off x="3046294" y="4161361"/>
+              <a:ext cx="1393330" cy="369332"/>
+            </a:xfrm>
+            <a:prstGeom prst="rect">
+              <a:avLst/>
+            </a:prstGeom>
+          </p:spPr>
+          <p:style>
+            <a:lnRef idx="2">
+              <a:schemeClr val="dk1"/>
+            </a:lnRef>
+            <a:fillRef idx="1">
+              <a:schemeClr val="lt1"/>
+            </a:fillRef>
+            <a:effectRef idx="0">
+              <a:schemeClr val="dk1"/>
+            </a:effectRef>
+            <a:fontRef idx="minor">
+              <a:schemeClr val="dk1"/>
+            </a:fontRef>
+          </p:style>
+          <p:txBody>
+            <a:bodyPr wrap="none" rtlCol="0">
+              <a:spAutoFit/>
+            </a:bodyPr>
+            <a:lstStyle/>
+            <a:p>
+              <a:r>
+                <a:rPr kumimoji="1" lang="en-US" altLang="ja-JP" dirty="0" smtClean="0"/>
+                <a:t>Riddle</a:t>
+              </a:r>
+              <a:r>
+                <a:rPr lang="ja-JP" altLang="en-US" dirty="0" smtClean="0"/>
+                <a:t>シーン</a:t>
+              </a:r>
+              <a:endParaRPr kumimoji="1" lang="en-US" altLang="ja-JP" dirty="0" smtClean="0"/>
+            </a:p>
+          </p:txBody>
+        </p:sp>
+        <p:grpSp>
+          <p:nvGrpSpPr>
+            <p:cNvPr id="27" name="グループ化 26"/>
+            <p:cNvGrpSpPr/>
+            <p:nvPr/>
+          </p:nvGrpSpPr>
+          <p:grpSpPr>
+            <a:xfrm>
+              <a:off x="1761715" y="747341"/>
+              <a:ext cx="4488020" cy="5484542"/>
+              <a:chOff x="1761715" y="747341"/>
+              <a:chExt cx="4488020" cy="5484542"/>
+            </a:xfrm>
+          </p:grpSpPr>
+          <p:sp>
+            <p:nvSpPr>
+              <p:cNvPr id="28" name="テキスト ボックス 27"/>
+              <p:cNvSpPr txBox="1"/>
+              <p:nvPr/>
+            </p:nvSpPr>
+            <p:spPr>
+              <a:xfrm>
+                <a:off x="2873766" y="747341"/>
+                <a:ext cx="1811714" cy="369332"/>
+              </a:xfrm>
+              <a:prstGeom prst="rect">
+                <a:avLst/>
+              </a:prstGeom>
+            </p:spPr>
+            <p:style>
+              <a:lnRef idx="2">
+                <a:schemeClr val="dk1"/>
+              </a:lnRef>
+              <a:fillRef idx="1">
+                <a:schemeClr val="lt1"/>
+              </a:fillRef>
+              <a:effectRef idx="0">
+                <a:schemeClr val="dk1"/>
+              </a:effectRef>
+              <a:fontRef idx="minor">
+                <a:schemeClr val="dk1"/>
+              </a:fontRef>
+            </p:style>
+            <p:txBody>
+              <a:bodyPr wrap="none" rtlCol="0">
+                <a:spAutoFit/>
+              </a:bodyPr>
+              <a:lstStyle/>
+              <a:p>
+                <a:r>
+                  <a:rPr kumimoji="1" lang="en-US" altLang="ja-JP" dirty="0" smtClean="0"/>
+                  <a:t>OP</a:t>
+                </a:r>
+                <a:r>
+                  <a:rPr kumimoji="1" lang="ja-JP" altLang="en-US" dirty="0" smtClean="0"/>
+                  <a:t>アニメーション</a:t>
+                </a:r>
+                <a:endParaRPr kumimoji="1" lang="ja-JP" altLang="en-US" dirty="0"/>
+              </a:p>
+            </p:txBody>
+          </p:sp>
+          <p:sp>
+            <p:nvSpPr>
+              <p:cNvPr id="29" name="テキスト ボックス 28"/>
+              <p:cNvSpPr txBox="1"/>
+              <p:nvPr/>
+            </p:nvSpPr>
+            <p:spPr>
+              <a:xfrm>
+                <a:off x="3151866" y="2456291"/>
+                <a:ext cx="1251048" cy="369332"/>
+              </a:xfrm>
+              <a:prstGeom prst="rect">
+                <a:avLst/>
+              </a:prstGeom>
+            </p:spPr>
+            <p:style>
+              <a:lnRef idx="2">
+                <a:schemeClr val="dk1"/>
+              </a:lnRef>
+              <a:fillRef idx="1">
+                <a:schemeClr val="lt1"/>
+              </a:fillRef>
+              <a:effectRef idx="0">
+                <a:schemeClr val="dk1"/>
+              </a:effectRef>
+              <a:fontRef idx="minor">
+                <a:schemeClr val="dk1"/>
+              </a:fontRef>
+            </p:style>
+            <p:txBody>
+              <a:bodyPr wrap="none" rtlCol="0">
+                <a:spAutoFit/>
+              </a:bodyPr>
+              <a:lstStyle/>
+              <a:p>
+                <a:r>
+                  <a:rPr kumimoji="1" lang="en-US" altLang="ja-JP" dirty="0" smtClean="0"/>
+                  <a:t>Start</a:t>
+                </a:r>
+                <a:r>
+                  <a:rPr kumimoji="1" lang="ja-JP" altLang="en-US" dirty="0" smtClean="0"/>
+                  <a:t>シーン</a:t>
+                </a:r>
+                <a:endParaRPr kumimoji="1" lang="ja-JP" altLang="en-US" dirty="0"/>
+              </a:p>
+            </p:txBody>
+          </p:sp>
+          <p:sp>
+            <p:nvSpPr>
+              <p:cNvPr id="30" name="テキスト ボックス 29"/>
+              <p:cNvSpPr txBox="1"/>
+              <p:nvPr/>
+            </p:nvSpPr>
+            <p:spPr>
+              <a:xfrm>
+                <a:off x="3115158" y="3310766"/>
+                <a:ext cx="1324465" cy="369332"/>
+              </a:xfrm>
+              <a:prstGeom prst="rect">
+                <a:avLst/>
+              </a:prstGeom>
+            </p:spPr>
+            <p:style>
+              <a:lnRef idx="2">
+                <a:schemeClr val="dk1"/>
+              </a:lnRef>
+              <a:fillRef idx="1">
+                <a:schemeClr val="lt1"/>
+              </a:fillRef>
+              <a:effectRef idx="0">
+                <a:schemeClr val="dk1"/>
+              </a:effectRef>
+              <a:fontRef idx="minor">
+                <a:schemeClr val="dk1"/>
+              </a:fontRef>
+            </p:style>
+            <p:txBody>
+              <a:bodyPr wrap="none" rtlCol="0">
+                <a:spAutoFit/>
+              </a:bodyPr>
+              <a:lstStyle/>
+              <a:p>
+                <a:r>
+                  <a:rPr kumimoji="1" lang="en-US" altLang="ja-JP" dirty="0" smtClean="0"/>
+                  <a:t>Stage</a:t>
+                </a:r>
+                <a:r>
+                  <a:rPr kumimoji="1" lang="ja-JP" altLang="en-US" dirty="0" smtClean="0"/>
+                  <a:t>シーン</a:t>
+                </a:r>
+                <a:endParaRPr kumimoji="1" lang="en-US" altLang="ja-JP" dirty="0" smtClean="0"/>
+              </a:p>
+            </p:txBody>
+          </p:sp>
+          <p:sp>
+            <p:nvSpPr>
+              <p:cNvPr id="31" name="テキスト ボックス 30"/>
+              <p:cNvSpPr txBox="1"/>
+              <p:nvPr/>
+            </p:nvSpPr>
+            <p:spPr>
+              <a:xfrm>
+                <a:off x="1761715" y="5011956"/>
+                <a:ext cx="1749197" cy="369332"/>
+              </a:xfrm>
+              <a:prstGeom prst="rect">
+                <a:avLst/>
+              </a:prstGeom>
+            </p:spPr>
+            <p:style>
+              <a:lnRef idx="2">
+                <a:schemeClr val="dk1"/>
+              </a:lnRef>
+              <a:fillRef idx="1">
+                <a:schemeClr val="lt1"/>
+              </a:fillRef>
+              <a:effectRef idx="0">
+                <a:schemeClr val="dk1"/>
+              </a:effectRef>
+              <a:fontRef idx="minor">
+                <a:schemeClr val="dk1"/>
+              </a:fontRef>
+            </p:style>
+            <p:txBody>
+              <a:bodyPr wrap="none" rtlCol="0">
+                <a:spAutoFit/>
+              </a:bodyPr>
+              <a:lstStyle/>
+              <a:p>
+                <a:r>
+                  <a:rPr kumimoji="1" lang="ja-JP" altLang="en-US" dirty="0" smtClean="0"/>
+                  <a:t>ゲームオーバー</a:t>
+                </a:r>
+                <a:endParaRPr kumimoji="1" lang="ja-JP" altLang="en-US" dirty="0"/>
+              </a:p>
+            </p:txBody>
+          </p:sp>
+          <p:sp>
+            <p:nvSpPr>
+              <p:cNvPr id="32" name="テキスト ボックス 31"/>
+              <p:cNvSpPr txBox="1"/>
+              <p:nvPr/>
+            </p:nvSpPr>
+            <p:spPr>
+              <a:xfrm>
+                <a:off x="3974560" y="5011956"/>
+                <a:ext cx="1417376" cy="369332"/>
+              </a:xfrm>
+              <a:prstGeom prst="rect">
+                <a:avLst/>
+              </a:prstGeom>
+            </p:spPr>
+            <p:style>
+              <a:lnRef idx="2">
+                <a:schemeClr val="dk1"/>
+              </a:lnRef>
+              <a:fillRef idx="1">
+                <a:schemeClr val="lt1"/>
+              </a:fillRef>
+              <a:effectRef idx="0">
+                <a:schemeClr val="dk1"/>
+              </a:effectRef>
+              <a:fontRef idx="minor">
+                <a:schemeClr val="dk1"/>
+              </a:fontRef>
+            </p:style>
+            <p:txBody>
+              <a:bodyPr wrap="none" rtlCol="0">
+                <a:spAutoFit/>
+              </a:bodyPr>
+              <a:lstStyle/>
+              <a:p>
+                <a:r>
+                  <a:rPr kumimoji="1" lang="ja-JP" altLang="en-US" dirty="0" smtClean="0"/>
+                  <a:t>ゲームクリア</a:t>
+                </a:r>
+                <a:endParaRPr kumimoji="1" lang="ja-JP" altLang="en-US" dirty="0"/>
+              </a:p>
+            </p:txBody>
+          </p:sp>
+          <p:sp>
+            <p:nvSpPr>
+              <p:cNvPr id="33" name="テキスト ボックス 32"/>
+              <p:cNvSpPr txBox="1"/>
+              <p:nvPr/>
+            </p:nvSpPr>
+            <p:spPr>
+              <a:xfrm>
+                <a:off x="4439624" y="5862551"/>
+                <a:ext cx="1810111" cy="369332"/>
+              </a:xfrm>
+              <a:prstGeom prst="rect">
+                <a:avLst/>
+              </a:prstGeom>
+            </p:spPr>
+            <p:style>
+              <a:lnRef idx="2">
+                <a:schemeClr val="dk1"/>
+              </a:lnRef>
+              <a:fillRef idx="1">
+                <a:schemeClr val="lt1"/>
+              </a:fillRef>
+              <a:effectRef idx="0">
+                <a:schemeClr val="dk1"/>
+              </a:effectRef>
+              <a:fontRef idx="minor">
+                <a:schemeClr val="dk1"/>
+              </a:fontRef>
+            </p:style>
+            <p:txBody>
+              <a:bodyPr wrap="none" rtlCol="0">
+                <a:spAutoFit/>
+              </a:bodyPr>
+              <a:lstStyle/>
+              <a:p>
+                <a:r>
+                  <a:rPr kumimoji="1" lang="en-US" altLang="ja-JP" dirty="0" smtClean="0"/>
+                  <a:t>ED</a:t>
+                </a:r>
+                <a:r>
+                  <a:rPr kumimoji="1" lang="ja-JP" altLang="en-US" dirty="0" smtClean="0"/>
+                  <a:t>アニメーション</a:t>
+                </a:r>
+                <a:endParaRPr kumimoji="1" lang="ja-JP" altLang="en-US" dirty="0"/>
+              </a:p>
+            </p:txBody>
+          </p:sp>
+          <p:sp>
+            <p:nvSpPr>
+              <p:cNvPr id="34" name="テキスト ボックス 33"/>
+              <p:cNvSpPr txBox="1"/>
+              <p:nvPr/>
+            </p:nvSpPr>
+            <p:spPr>
+              <a:xfrm>
+                <a:off x="3183125" y="1601816"/>
+                <a:ext cx="1188530" cy="369332"/>
+              </a:xfrm>
+              <a:prstGeom prst="rect">
+                <a:avLst/>
+              </a:prstGeom>
+            </p:spPr>
+            <p:style>
+              <a:lnRef idx="2">
+                <a:schemeClr val="dk1"/>
+              </a:lnRef>
+              <a:fillRef idx="1">
+                <a:schemeClr val="lt1"/>
+              </a:fillRef>
+              <a:effectRef idx="0">
+                <a:schemeClr val="dk1"/>
+              </a:effectRef>
+              <a:fontRef idx="minor">
+                <a:schemeClr val="dk1"/>
+              </a:fontRef>
+            </p:style>
+            <p:txBody>
+              <a:bodyPr wrap="none" rtlCol="0">
+                <a:spAutoFit/>
+              </a:bodyPr>
+              <a:lstStyle/>
+              <a:p>
+                <a:r>
+                  <a:rPr kumimoji="1" lang="en-US" altLang="ja-JP" dirty="0" err="1" smtClean="0"/>
+                  <a:t>GameStart</a:t>
+                </a:r>
+                <a:endParaRPr kumimoji="1" lang="ja-JP" altLang="en-US" dirty="0"/>
+              </a:p>
+            </p:txBody>
+          </p:sp>
+          <p:sp>
+            <p:nvSpPr>
+              <p:cNvPr id="35" name="屈折矢印 34"/>
+              <p:cNvSpPr/>
+              <p:nvPr/>
+            </p:nvSpPr>
+            <p:spPr>
+              <a:xfrm rot="16200000">
+                <a:off x="2949009" y="2955974"/>
+                <a:ext cx="4329224" cy="1483927"/>
+              </a:xfrm>
+              <a:prstGeom prst="bentUpArrow">
+                <a:avLst>
+                  <a:gd name="adj1" fmla="val 12260"/>
+                  <a:gd name="adj2" fmla="val 15616"/>
+                  <a:gd name="adj3" fmla="val 18663"/>
+                </a:avLst>
+              </a:prstGeom>
+            </p:spPr>
+            <p:style>
+              <a:lnRef idx="1">
+                <a:schemeClr val="accent6"/>
+              </a:lnRef>
+              <a:fillRef idx="2">
+                <a:schemeClr val="accent6"/>
+              </a:fillRef>
+              <a:effectRef idx="1">
+                <a:schemeClr val="accent6"/>
+              </a:effectRef>
+              <a:fontRef idx="minor">
+                <a:schemeClr val="dk1"/>
+              </a:fontRef>
+            </p:style>
+            <p:txBody>
+              <a:bodyPr rtlCol="0" anchor="ctr"/>
+              <a:lstStyle/>
+              <a:p>
+                <a:pPr algn="ctr"/>
+                <a:endParaRPr kumimoji="1" lang="ja-JP" altLang="en-US"/>
+              </a:p>
+            </p:txBody>
+          </p:sp>
+          <p:sp>
+            <p:nvSpPr>
+              <p:cNvPr id="36" name="屈折矢印 35"/>
+              <p:cNvSpPr/>
+              <p:nvPr/>
+            </p:nvSpPr>
+            <p:spPr>
+              <a:xfrm rot="5400000" flipH="1">
+                <a:off x="242596" y="2420386"/>
+                <a:ext cx="4205000" cy="978139"/>
+              </a:xfrm>
+              <a:prstGeom prst="bentUpArrow">
+                <a:avLst>
+                  <a:gd name="adj1" fmla="val 15902"/>
+                  <a:gd name="adj2" fmla="val 19532"/>
+                  <a:gd name="adj3" fmla="val 20349"/>
+                </a:avLst>
+              </a:prstGeom>
+            </p:spPr>
+            <p:style>
+              <a:lnRef idx="1">
+                <a:schemeClr val="accent6"/>
+              </a:lnRef>
+              <a:fillRef idx="2">
+                <a:schemeClr val="accent6"/>
+              </a:fillRef>
+              <a:effectRef idx="1">
+                <a:schemeClr val="accent6"/>
+              </a:effectRef>
+              <a:fontRef idx="minor">
+                <a:schemeClr val="dk1"/>
+              </a:fontRef>
+            </p:style>
+            <p:txBody>
+              <a:bodyPr rtlCol="0" anchor="ctr"/>
+              <a:lstStyle/>
+              <a:p>
+                <a:pPr algn="ctr"/>
+                <a:endParaRPr kumimoji="1" lang="ja-JP" altLang="en-US"/>
+              </a:p>
+            </p:txBody>
+          </p:sp>
+          <p:sp>
+            <p:nvSpPr>
+              <p:cNvPr id="37" name="下矢印 36"/>
+              <p:cNvSpPr/>
+              <p:nvPr/>
+            </p:nvSpPr>
+            <p:spPr>
+              <a:xfrm>
+                <a:off x="3591409" y="1124433"/>
+                <a:ext cx="303099" cy="473503"/>
+              </a:xfrm>
+              <a:prstGeom prst="downArrow">
+                <a:avLst>
+                  <a:gd name="adj1" fmla="val 34122"/>
+                  <a:gd name="adj2" fmla="val 55573"/>
+                </a:avLst>
+              </a:prstGeom>
+            </p:spPr>
+            <p:style>
+              <a:lnRef idx="1">
+                <a:schemeClr val="accent6"/>
+              </a:lnRef>
+              <a:fillRef idx="2">
+                <a:schemeClr val="accent6"/>
+              </a:fillRef>
+              <a:effectRef idx="1">
+                <a:schemeClr val="accent6"/>
+              </a:effectRef>
+              <a:fontRef idx="minor">
+                <a:schemeClr val="dk1"/>
+              </a:fontRef>
+            </p:style>
+            <p:txBody>
+              <a:bodyPr rtlCol="0" anchor="ctr"/>
+              <a:lstStyle/>
+              <a:p>
+                <a:pPr algn="ctr"/>
+                <a:endParaRPr kumimoji="1" lang="ja-JP" altLang="en-US"/>
+              </a:p>
+            </p:txBody>
+          </p:sp>
+          <p:sp>
+            <p:nvSpPr>
+              <p:cNvPr id="38" name="下矢印 37"/>
+              <p:cNvSpPr/>
+              <p:nvPr/>
+            </p:nvSpPr>
+            <p:spPr>
+              <a:xfrm>
+                <a:off x="3589622" y="1975028"/>
+                <a:ext cx="303099" cy="477383"/>
+              </a:xfrm>
+              <a:prstGeom prst="downArrow">
+                <a:avLst>
+                  <a:gd name="adj1" fmla="val 34122"/>
+                  <a:gd name="adj2" fmla="val 55573"/>
+                </a:avLst>
+              </a:prstGeom>
+            </p:spPr>
+            <p:style>
+              <a:lnRef idx="1">
+                <a:schemeClr val="accent6"/>
+              </a:lnRef>
+              <a:fillRef idx="2">
+                <a:schemeClr val="accent6"/>
+              </a:fillRef>
+              <a:effectRef idx="1">
+                <a:schemeClr val="accent6"/>
+              </a:effectRef>
+              <a:fontRef idx="minor">
+                <a:schemeClr val="dk1"/>
+              </a:fontRef>
+            </p:style>
+            <p:txBody>
+              <a:bodyPr rtlCol="0" anchor="ctr"/>
+              <a:lstStyle/>
+              <a:p>
+                <a:pPr algn="ctr"/>
+                <a:endParaRPr kumimoji="1" lang="ja-JP" altLang="en-US"/>
+              </a:p>
+            </p:txBody>
+          </p:sp>
+          <p:sp>
+            <p:nvSpPr>
+              <p:cNvPr id="39" name="下矢印 38"/>
+              <p:cNvSpPr/>
+              <p:nvPr/>
+            </p:nvSpPr>
+            <p:spPr>
+              <a:xfrm>
+                <a:off x="3588972" y="2829503"/>
+                <a:ext cx="303099" cy="477383"/>
+              </a:xfrm>
+              <a:prstGeom prst="downArrow">
+                <a:avLst>
+                  <a:gd name="adj1" fmla="val 34122"/>
+                  <a:gd name="adj2" fmla="val 55573"/>
+                </a:avLst>
+              </a:prstGeom>
+            </p:spPr>
+            <p:style>
+              <a:lnRef idx="1">
+                <a:schemeClr val="accent6"/>
+              </a:lnRef>
+              <a:fillRef idx="2">
+                <a:schemeClr val="accent6"/>
+              </a:fillRef>
+              <a:effectRef idx="1">
+                <a:schemeClr val="accent6"/>
+              </a:effectRef>
+              <a:fontRef idx="minor">
+                <a:schemeClr val="dk1"/>
+              </a:fontRef>
+            </p:style>
+            <p:txBody>
+              <a:bodyPr rtlCol="0" anchor="ctr"/>
+              <a:lstStyle/>
+              <a:p>
+                <a:pPr algn="ctr"/>
+                <a:endParaRPr kumimoji="1" lang="ja-JP" altLang="en-US"/>
+              </a:p>
+            </p:txBody>
+          </p:sp>
+          <p:sp>
+            <p:nvSpPr>
+              <p:cNvPr id="40" name="下矢印 39"/>
+              <p:cNvSpPr/>
+              <p:nvPr/>
+            </p:nvSpPr>
+            <p:spPr>
+              <a:xfrm>
+                <a:off x="3588972" y="3680098"/>
+                <a:ext cx="303099" cy="477383"/>
+              </a:xfrm>
+              <a:prstGeom prst="downArrow">
+                <a:avLst>
+                  <a:gd name="adj1" fmla="val 34122"/>
+                  <a:gd name="adj2" fmla="val 55573"/>
+                </a:avLst>
+              </a:prstGeom>
+            </p:spPr>
+            <p:style>
+              <a:lnRef idx="1">
+                <a:schemeClr val="accent6"/>
+              </a:lnRef>
+              <a:fillRef idx="2">
+                <a:schemeClr val="accent6"/>
+              </a:fillRef>
+              <a:effectRef idx="1">
+                <a:schemeClr val="accent6"/>
+              </a:effectRef>
+              <a:fontRef idx="minor">
+                <a:schemeClr val="dk1"/>
+              </a:fontRef>
+            </p:style>
+            <p:txBody>
+              <a:bodyPr rtlCol="0" anchor="ctr"/>
+              <a:lstStyle/>
+              <a:p>
+                <a:pPr algn="ctr"/>
+                <a:endParaRPr kumimoji="1" lang="ja-JP" altLang="en-US"/>
+              </a:p>
+            </p:txBody>
+          </p:sp>
+          <p:sp>
+            <p:nvSpPr>
+              <p:cNvPr id="41" name="下矢印 40"/>
+              <p:cNvSpPr/>
+              <p:nvPr/>
+            </p:nvSpPr>
+            <p:spPr>
+              <a:xfrm>
+                <a:off x="3031575" y="4542333"/>
+                <a:ext cx="303099" cy="477383"/>
+              </a:xfrm>
+              <a:prstGeom prst="downArrow">
+                <a:avLst>
+                  <a:gd name="adj1" fmla="val 34122"/>
+                  <a:gd name="adj2" fmla="val 55573"/>
+                </a:avLst>
+              </a:prstGeom>
+            </p:spPr>
+            <p:style>
+              <a:lnRef idx="1">
+                <a:schemeClr val="accent6"/>
+              </a:lnRef>
+              <a:fillRef idx="2">
+                <a:schemeClr val="accent6"/>
+              </a:fillRef>
+              <a:effectRef idx="1">
+                <a:schemeClr val="accent6"/>
+              </a:effectRef>
+              <a:fontRef idx="minor">
+                <a:schemeClr val="dk1"/>
+              </a:fontRef>
+            </p:style>
+            <p:txBody>
+              <a:bodyPr rtlCol="0" anchor="ctr"/>
+              <a:lstStyle/>
+              <a:p>
+                <a:pPr algn="ctr"/>
+                <a:endParaRPr kumimoji="1" lang="ja-JP" altLang="en-US"/>
+              </a:p>
+            </p:txBody>
+          </p:sp>
+          <p:sp>
+            <p:nvSpPr>
+              <p:cNvPr id="42" name="下矢印 41"/>
+              <p:cNvSpPr/>
+              <p:nvPr/>
+            </p:nvSpPr>
+            <p:spPr>
+              <a:xfrm>
+                <a:off x="4103338" y="4542333"/>
+                <a:ext cx="303099" cy="477383"/>
+              </a:xfrm>
+              <a:prstGeom prst="downArrow">
+                <a:avLst>
+                  <a:gd name="adj1" fmla="val 34122"/>
+                  <a:gd name="adj2" fmla="val 55573"/>
+                </a:avLst>
+              </a:prstGeom>
+            </p:spPr>
+            <p:style>
+              <a:lnRef idx="1">
+                <a:schemeClr val="accent6"/>
+              </a:lnRef>
+              <a:fillRef idx="2">
+                <a:schemeClr val="accent6"/>
+              </a:fillRef>
+              <a:effectRef idx="1">
+                <a:schemeClr val="accent6"/>
+              </a:effectRef>
+              <a:fontRef idx="minor">
+                <a:schemeClr val="dk1"/>
+              </a:fontRef>
+            </p:style>
+            <p:txBody>
+              <a:bodyPr rtlCol="0" anchor="ctr"/>
+              <a:lstStyle/>
+              <a:p>
+                <a:pPr algn="ctr"/>
+                <a:endParaRPr kumimoji="1" lang="ja-JP" altLang="en-US"/>
+              </a:p>
+            </p:txBody>
+          </p:sp>
+          <p:sp>
+            <p:nvSpPr>
+              <p:cNvPr id="43" name="下矢印 42"/>
+              <p:cNvSpPr/>
+              <p:nvPr/>
+            </p:nvSpPr>
+            <p:spPr>
+              <a:xfrm>
+                <a:off x="4683248" y="5390772"/>
+                <a:ext cx="303099" cy="477383"/>
+              </a:xfrm>
+              <a:prstGeom prst="downArrow">
+                <a:avLst>
+                  <a:gd name="adj1" fmla="val 34122"/>
+                  <a:gd name="adj2" fmla="val 55573"/>
+                </a:avLst>
+              </a:prstGeom>
+            </p:spPr>
+            <p:style>
+              <a:lnRef idx="1">
+                <a:schemeClr val="accent6"/>
+              </a:lnRef>
+              <a:fillRef idx="2">
+                <a:schemeClr val="accent6"/>
+              </a:fillRef>
+              <a:effectRef idx="1">
+                <a:schemeClr val="accent6"/>
+              </a:effectRef>
+              <a:fontRef idx="minor">
+                <a:schemeClr val="dk1"/>
+              </a:fontRef>
+            </p:style>
+            <p:txBody>
+              <a:bodyPr rtlCol="0" anchor="ctr"/>
+              <a:lstStyle/>
+              <a:p>
+                <a:pPr algn="ctr"/>
+                <a:endParaRPr kumimoji="1" lang="ja-JP" altLang="en-US"/>
+              </a:p>
+            </p:txBody>
+          </p:sp>
+        </p:grpSp>
+      </p:grpSp>
     </p:spTree>
     <p:extLst>
       <p:ext uri="{BB962C8B-B14F-4D97-AF65-F5344CB8AC3E}">

--- a/櫻畑/資料/02.発表資料.pptx
+++ b/櫻畑/資料/02.発表資料.pptx
@@ -9,11 +9,10 @@
     <p:sldId id="260" r:id="rId3"/>
     <p:sldId id="257" r:id="rId4"/>
     <p:sldId id="258" r:id="rId5"/>
-    <p:sldId id="263" r:id="rId6"/>
-    <p:sldId id="259" r:id="rId7"/>
-    <p:sldId id="261" r:id="rId8"/>
-    <p:sldId id="262" r:id="rId9"/>
-    <p:sldId id="264" r:id="rId10"/>
+    <p:sldId id="259" r:id="rId6"/>
+    <p:sldId id="261" r:id="rId7"/>
+    <p:sldId id="262" r:id="rId8"/>
+    <p:sldId id="264" r:id="rId9"/>
   </p:sldIdLst>
   <p:sldSz cx="12192000" cy="6858000"/>
   <p:notesSz cx="6858000" cy="9144000"/>
@@ -251,7 +250,7 @@
           <a:p>
             <a:fld id="{9878ED59-041D-4854-9794-01A302C6670C}" type="datetimeFigureOut">
               <a:rPr kumimoji="1" lang="ja-JP" altLang="en-US" smtClean="0"/>
-              <a:t>2015/11/5</a:t>
+              <a:t>2015/11/7</a:t>
             </a:fld>
             <a:endParaRPr kumimoji="1" lang="ja-JP" altLang="en-US"/>
           </a:p>
@@ -453,7 +452,7 @@
           <a:p>
             <a:fld id="{9878ED59-041D-4854-9794-01A302C6670C}" type="datetimeFigureOut">
               <a:rPr kumimoji="1" lang="ja-JP" altLang="en-US" smtClean="0"/>
-              <a:t>2015/11/5</a:t>
+              <a:t>2015/11/7</a:t>
             </a:fld>
             <a:endParaRPr kumimoji="1" lang="ja-JP" altLang="en-US"/>
           </a:p>
@@ -665,7 +664,7 @@
           <a:p>
             <a:fld id="{9878ED59-041D-4854-9794-01A302C6670C}" type="datetimeFigureOut">
               <a:rPr kumimoji="1" lang="ja-JP" altLang="en-US" smtClean="0"/>
-              <a:t>2015/11/5</a:t>
+              <a:t>2015/11/7</a:t>
             </a:fld>
             <a:endParaRPr kumimoji="1" lang="ja-JP" altLang="en-US"/>
           </a:p>
@@ -867,7 +866,7 @@
           <a:p>
             <a:fld id="{9878ED59-041D-4854-9794-01A302C6670C}" type="datetimeFigureOut">
               <a:rPr kumimoji="1" lang="ja-JP" altLang="en-US" smtClean="0"/>
-              <a:t>2015/11/5</a:t>
+              <a:t>2015/11/7</a:t>
             </a:fld>
             <a:endParaRPr kumimoji="1" lang="ja-JP" altLang="en-US"/>
           </a:p>
@@ -1113,7 +1112,7 @@
           <a:p>
             <a:fld id="{9878ED59-041D-4854-9794-01A302C6670C}" type="datetimeFigureOut">
               <a:rPr kumimoji="1" lang="ja-JP" altLang="en-US" smtClean="0"/>
-              <a:t>2015/11/5</a:t>
+              <a:t>2015/11/7</a:t>
             </a:fld>
             <a:endParaRPr kumimoji="1" lang="ja-JP" altLang="en-US"/>
           </a:p>
@@ -1409,7 +1408,7 @@
           <a:p>
             <a:fld id="{9878ED59-041D-4854-9794-01A302C6670C}" type="datetimeFigureOut">
               <a:rPr kumimoji="1" lang="ja-JP" altLang="en-US" smtClean="0"/>
-              <a:t>2015/11/5</a:t>
+              <a:t>2015/11/7</a:t>
             </a:fld>
             <a:endParaRPr kumimoji="1" lang="ja-JP" altLang="en-US"/>
           </a:p>
@@ -1840,7 +1839,7 @@
           <a:p>
             <a:fld id="{9878ED59-041D-4854-9794-01A302C6670C}" type="datetimeFigureOut">
               <a:rPr kumimoji="1" lang="ja-JP" altLang="en-US" smtClean="0"/>
-              <a:t>2015/11/5</a:t>
+              <a:t>2015/11/7</a:t>
             </a:fld>
             <a:endParaRPr kumimoji="1" lang="ja-JP" altLang="en-US"/>
           </a:p>
@@ -1958,7 +1957,7 @@
           <a:p>
             <a:fld id="{9878ED59-041D-4854-9794-01A302C6670C}" type="datetimeFigureOut">
               <a:rPr kumimoji="1" lang="ja-JP" altLang="en-US" smtClean="0"/>
-              <a:t>2015/11/5</a:t>
+              <a:t>2015/11/7</a:t>
             </a:fld>
             <a:endParaRPr kumimoji="1" lang="ja-JP" altLang="en-US"/>
           </a:p>
@@ -2053,7 +2052,7 @@
           <a:p>
             <a:fld id="{9878ED59-041D-4854-9794-01A302C6670C}" type="datetimeFigureOut">
               <a:rPr kumimoji="1" lang="ja-JP" altLang="en-US" smtClean="0"/>
-              <a:t>2015/11/5</a:t>
+              <a:t>2015/11/7</a:t>
             </a:fld>
             <a:endParaRPr kumimoji="1" lang="ja-JP" altLang="en-US"/>
           </a:p>
@@ -2362,7 +2361,7 @@
           <a:p>
             <a:fld id="{9878ED59-041D-4854-9794-01A302C6670C}" type="datetimeFigureOut">
               <a:rPr kumimoji="1" lang="ja-JP" altLang="en-US" smtClean="0"/>
-              <a:t>2015/11/5</a:t>
+              <a:t>2015/11/7</a:t>
             </a:fld>
             <a:endParaRPr kumimoji="1" lang="ja-JP" altLang="en-US"/>
           </a:p>
@@ -2615,7 +2614,7 @@
           <a:p>
             <a:fld id="{9878ED59-041D-4854-9794-01A302C6670C}" type="datetimeFigureOut">
               <a:rPr kumimoji="1" lang="ja-JP" altLang="en-US" smtClean="0"/>
-              <a:t>2015/11/5</a:t>
+              <a:t>2015/11/7</a:t>
             </a:fld>
             <a:endParaRPr kumimoji="1" lang="ja-JP" altLang="en-US"/>
           </a:p>
@@ -2860,7 +2859,7 @@
           <a:p>
             <a:fld id="{9878ED59-041D-4854-9794-01A302C6670C}" type="datetimeFigureOut">
               <a:rPr kumimoji="1" lang="ja-JP" altLang="en-US" smtClean="0"/>
-              <a:t>2015/11/5</a:t>
+              <a:t>2015/11/7</a:t>
             </a:fld>
             <a:endParaRPr kumimoji="1" lang="ja-JP" altLang="en-US"/>
           </a:p>
@@ -4166,36 +4165,6 @@
           <a:chExt cx="0" cy="0"/>
         </a:xfrm>
       </p:grpSpPr>
-    </p:spTree>
-    <p:extLst>
-      <p:ext uri="{BB962C8B-B14F-4D97-AF65-F5344CB8AC3E}">
-        <p14:creationId xmlns:p14="http://schemas.microsoft.com/office/powerpoint/2010/main" val="2553657992"/>
-      </p:ext>
-    </p:extLst>
-  </p:cSld>
-  <p:clrMapOvr>
-    <a:masterClrMapping/>
-  </p:clrMapOvr>
-</p:sld>
-</file>
-
-<file path=ppt/slides/slide6.xml><?xml version="1.0" encoding="utf-8"?>
-<p:sld xmlns:a="http://schemas.openxmlformats.org/drawingml/2006/main" xmlns:r="http://schemas.openxmlformats.org/officeDocument/2006/relationships" xmlns:p="http://schemas.openxmlformats.org/presentationml/2006/main">
-  <p:cSld>
-    <p:spTree>
-      <p:nvGrpSpPr>
-        <p:cNvPr id="1" name=""/>
-        <p:cNvGrpSpPr/>
-        <p:nvPr/>
-      </p:nvGrpSpPr>
-      <p:grpSpPr>
-        <a:xfrm>
-          <a:off x="0" y="0"/>
-          <a:ext cx="0" cy="0"/>
-          <a:chOff x="0" y="0"/>
-          <a:chExt cx="0" cy="0"/>
-        </a:xfrm>
-      </p:grpSpPr>
       <p:sp>
         <p:nvSpPr>
           <p:cNvPr id="4" name="テキスト ボックス 3"/>
@@ -4335,7 +4304,7 @@
 </p:sld>
 </file>
 
-<file path=ppt/slides/slide7.xml><?xml version="1.0" encoding="utf-8"?>
+<file path=ppt/slides/slide6.xml><?xml version="1.0" encoding="utf-8"?>
 <p:sld xmlns:a="http://schemas.openxmlformats.org/drawingml/2006/main" xmlns:r="http://schemas.openxmlformats.org/officeDocument/2006/relationships" xmlns:p="http://schemas.openxmlformats.org/presentationml/2006/main">
   <p:cSld>
     <p:spTree>
@@ -4974,7 +4943,7 @@
 </p:sld>
 </file>
 
-<file path=ppt/slides/slide8.xml><?xml version="1.0" encoding="utf-8"?>
+<file path=ppt/slides/slide7.xml><?xml version="1.0" encoding="utf-8"?>
 <p:sld xmlns:a="http://schemas.openxmlformats.org/drawingml/2006/main" xmlns:r="http://schemas.openxmlformats.org/officeDocument/2006/relationships" xmlns:p="http://schemas.openxmlformats.org/presentationml/2006/main">
   <p:cSld>
     <p:spTree>
@@ -5083,7 +5052,7 @@
 </p:sld>
 </file>
 
-<file path=ppt/slides/slide9.xml><?xml version="1.0" encoding="utf-8"?>
+<file path=ppt/slides/slide8.xml><?xml version="1.0" encoding="utf-8"?>
 <p:sld xmlns:a="http://schemas.openxmlformats.org/drawingml/2006/main" xmlns:r="http://schemas.openxmlformats.org/officeDocument/2006/relationships" xmlns:p="http://schemas.openxmlformats.org/presentationml/2006/main">
   <p:cSld>
     <p:spTree>

--- a/櫻畑/資料/02.発表資料.pptx
+++ b/櫻畑/資料/02.発表資料.pptx
@@ -250,7 +250,7 @@
           <a:p>
             <a:fld id="{9878ED59-041D-4854-9794-01A302C6670C}" type="datetimeFigureOut">
               <a:rPr kumimoji="1" lang="ja-JP" altLang="en-US" smtClean="0"/>
-              <a:t>2015/11/7</a:t>
+              <a:t>2015/11/16</a:t>
             </a:fld>
             <a:endParaRPr kumimoji="1" lang="ja-JP" altLang="en-US"/>
           </a:p>
@@ -452,7 +452,7 @@
           <a:p>
             <a:fld id="{9878ED59-041D-4854-9794-01A302C6670C}" type="datetimeFigureOut">
               <a:rPr kumimoji="1" lang="ja-JP" altLang="en-US" smtClean="0"/>
-              <a:t>2015/11/7</a:t>
+              <a:t>2015/11/16</a:t>
             </a:fld>
             <a:endParaRPr kumimoji="1" lang="ja-JP" altLang="en-US"/>
           </a:p>
@@ -664,7 +664,7 @@
           <a:p>
             <a:fld id="{9878ED59-041D-4854-9794-01A302C6670C}" type="datetimeFigureOut">
               <a:rPr kumimoji="1" lang="ja-JP" altLang="en-US" smtClean="0"/>
-              <a:t>2015/11/7</a:t>
+              <a:t>2015/11/16</a:t>
             </a:fld>
             <a:endParaRPr kumimoji="1" lang="ja-JP" altLang="en-US"/>
           </a:p>
@@ -866,7 +866,7 @@
           <a:p>
             <a:fld id="{9878ED59-041D-4854-9794-01A302C6670C}" type="datetimeFigureOut">
               <a:rPr kumimoji="1" lang="ja-JP" altLang="en-US" smtClean="0"/>
-              <a:t>2015/11/7</a:t>
+              <a:t>2015/11/16</a:t>
             </a:fld>
             <a:endParaRPr kumimoji="1" lang="ja-JP" altLang="en-US"/>
           </a:p>
@@ -1112,7 +1112,7 @@
           <a:p>
             <a:fld id="{9878ED59-041D-4854-9794-01A302C6670C}" type="datetimeFigureOut">
               <a:rPr kumimoji="1" lang="ja-JP" altLang="en-US" smtClean="0"/>
-              <a:t>2015/11/7</a:t>
+              <a:t>2015/11/16</a:t>
             </a:fld>
             <a:endParaRPr kumimoji="1" lang="ja-JP" altLang="en-US"/>
           </a:p>
@@ -1408,7 +1408,7 @@
           <a:p>
             <a:fld id="{9878ED59-041D-4854-9794-01A302C6670C}" type="datetimeFigureOut">
               <a:rPr kumimoji="1" lang="ja-JP" altLang="en-US" smtClean="0"/>
-              <a:t>2015/11/7</a:t>
+              <a:t>2015/11/16</a:t>
             </a:fld>
             <a:endParaRPr kumimoji="1" lang="ja-JP" altLang="en-US"/>
           </a:p>
@@ -1839,7 +1839,7 @@
           <a:p>
             <a:fld id="{9878ED59-041D-4854-9794-01A302C6670C}" type="datetimeFigureOut">
               <a:rPr kumimoji="1" lang="ja-JP" altLang="en-US" smtClean="0"/>
-              <a:t>2015/11/7</a:t>
+              <a:t>2015/11/16</a:t>
             </a:fld>
             <a:endParaRPr kumimoji="1" lang="ja-JP" altLang="en-US"/>
           </a:p>
@@ -1957,7 +1957,7 @@
           <a:p>
             <a:fld id="{9878ED59-041D-4854-9794-01A302C6670C}" type="datetimeFigureOut">
               <a:rPr kumimoji="1" lang="ja-JP" altLang="en-US" smtClean="0"/>
-              <a:t>2015/11/7</a:t>
+              <a:t>2015/11/16</a:t>
             </a:fld>
             <a:endParaRPr kumimoji="1" lang="ja-JP" altLang="en-US"/>
           </a:p>
@@ -2052,7 +2052,7 @@
           <a:p>
             <a:fld id="{9878ED59-041D-4854-9794-01A302C6670C}" type="datetimeFigureOut">
               <a:rPr kumimoji="1" lang="ja-JP" altLang="en-US" smtClean="0"/>
-              <a:t>2015/11/7</a:t>
+              <a:t>2015/11/16</a:t>
             </a:fld>
             <a:endParaRPr kumimoji="1" lang="ja-JP" altLang="en-US"/>
           </a:p>
@@ -2361,7 +2361,7 @@
           <a:p>
             <a:fld id="{9878ED59-041D-4854-9794-01A302C6670C}" type="datetimeFigureOut">
               <a:rPr kumimoji="1" lang="ja-JP" altLang="en-US" smtClean="0"/>
-              <a:t>2015/11/7</a:t>
+              <a:t>2015/11/16</a:t>
             </a:fld>
             <a:endParaRPr kumimoji="1" lang="ja-JP" altLang="en-US"/>
           </a:p>
@@ -2614,7 +2614,7 @@
           <a:p>
             <a:fld id="{9878ED59-041D-4854-9794-01A302C6670C}" type="datetimeFigureOut">
               <a:rPr kumimoji="1" lang="ja-JP" altLang="en-US" smtClean="0"/>
-              <a:t>2015/11/7</a:t>
+              <a:t>2015/11/16</a:t>
             </a:fld>
             <a:endParaRPr kumimoji="1" lang="ja-JP" altLang="en-US"/>
           </a:p>
@@ -2859,7 +2859,7 @@
           <a:p>
             <a:fld id="{9878ED59-041D-4854-9794-01A302C6670C}" type="datetimeFigureOut">
               <a:rPr kumimoji="1" lang="ja-JP" altLang="en-US" smtClean="0"/>
-              <a:t>2015/11/7</a:t>
+              <a:t>2015/11/16</a:t>
             </a:fld>
             <a:endParaRPr kumimoji="1" lang="ja-JP" altLang="en-US"/>
           </a:p>
@@ -4323,309 +4323,6 @@
       </p:grpSpPr>
       <p:grpSp>
         <p:nvGrpSpPr>
-          <p:cNvPr id="15" name="グループ化 14"/>
-          <p:cNvGrpSpPr/>
-          <p:nvPr/>
-        </p:nvGrpSpPr>
-        <p:grpSpPr>
-          <a:xfrm>
-            <a:off x="4463716" y="2702349"/>
-            <a:ext cx="421105" cy="425862"/>
-            <a:chOff x="4463716" y="2702349"/>
-            <a:chExt cx="421105" cy="425862"/>
-          </a:xfrm>
-        </p:grpSpPr>
-        <p:sp>
-          <p:nvSpPr>
-            <p:cNvPr id="2" name="正方形/長方形 1"/>
-            <p:cNvSpPr/>
-            <p:nvPr/>
-          </p:nvSpPr>
-          <p:spPr>
-            <a:xfrm>
-              <a:off x="4463716" y="2851484"/>
-              <a:ext cx="421105" cy="276727"/>
-            </a:xfrm>
-            <a:prstGeom prst="rect">
-              <a:avLst/>
-            </a:prstGeom>
-            <a:noFill/>
-            <a:ln w="6350">
-              <a:solidFill>
-                <a:schemeClr val="tx1"/>
-              </a:solidFill>
-            </a:ln>
-          </p:spPr>
-          <p:style>
-            <a:lnRef idx="2">
-              <a:schemeClr val="accent1">
-                <a:shade val="50000"/>
-              </a:schemeClr>
-            </a:lnRef>
-            <a:fillRef idx="1">
-              <a:schemeClr val="accent1"/>
-            </a:fillRef>
-            <a:effectRef idx="0">
-              <a:schemeClr val="accent1"/>
-            </a:effectRef>
-            <a:fontRef idx="minor">
-              <a:schemeClr val="lt1"/>
-            </a:fontRef>
-          </p:style>
-          <p:txBody>
-            <a:bodyPr rtlCol="0" anchor="ctr"/>
-            <a:lstStyle/>
-            <a:p>
-              <a:pPr algn="ctr"/>
-              <a:endParaRPr kumimoji="1" lang="ja-JP" altLang="en-US"/>
-            </a:p>
-          </p:txBody>
-        </p:sp>
-        <p:sp>
-          <p:nvSpPr>
-            <p:cNvPr id="3" name="円/楕円 2"/>
-            <p:cNvSpPr/>
-            <p:nvPr/>
-          </p:nvSpPr>
-          <p:spPr>
-            <a:xfrm>
-              <a:off x="4553576" y="2939841"/>
-              <a:ext cx="61287" cy="67034"/>
-            </a:xfrm>
-            <a:prstGeom prst="ellipse">
-              <a:avLst/>
-            </a:prstGeom>
-          </p:spPr>
-          <p:style>
-            <a:lnRef idx="2">
-              <a:schemeClr val="dk1">
-                <a:shade val="50000"/>
-              </a:schemeClr>
-            </a:lnRef>
-            <a:fillRef idx="1">
-              <a:schemeClr val="dk1"/>
-            </a:fillRef>
-            <a:effectRef idx="0">
-              <a:schemeClr val="dk1"/>
-            </a:effectRef>
-            <a:fontRef idx="minor">
-              <a:schemeClr val="lt1"/>
-            </a:fontRef>
-          </p:style>
-          <p:txBody>
-            <a:bodyPr rtlCol="0" anchor="ctr"/>
-            <a:lstStyle/>
-            <a:p>
-              <a:pPr algn="ctr"/>
-              <a:endParaRPr kumimoji="1" lang="ja-JP" altLang="en-US"/>
-            </a:p>
-          </p:txBody>
-        </p:sp>
-        <p:sp>
-          <p:nvSpPr>
-            <p:cNvPr id="4" name="円/楕円 3"/>
-            <p:cNvSpPr/>
-            <p:nvPr/>
-          </p:nvSpPr>
-          <p:spPr>
-            <a:xfrm>
-              <a:off x="4731280" y="2939841"/>
-              <a:ext cx="64553" cy="70606"/>
-            </a:xfrm>
-            <a:prstGeom prst="ellipse">
-              <a:avLst/>
-            </a:prstGeom>
-          </p:spPr>
-          <p:style>
-            <a:lnRef idx="2">
-              <a:schemeClr val="dk1">
-                <a:shade val="50000"/>
-              </a:schemeClr>
-            </a:lnRef>
-            <a:fillRef idx="1">
-              <a:schemeClr val="dk1"/>
-            </a:fillRef>
-            <a:effectRef idx="0">
-              <a:schemeClr val="dk1"/>
-            </a:effectRef>
-            <a:fontRef idx="minor">
-              <a:schemeClr val="lt1"/>
-            </a:fontRef>
-          </p:style>
-          <p:txBody>
-            <a:bodyPr rtlCol="0" anchor="ctr"/>
-            <a:lstStyle/>
-            <a:p>
-              <a:pPr algn="ctr"/>
-              <a:endParaRPr kumimoji="1" lang="ja-JP" altLang="en-US"/>
-            </a:p>
-          </p:txBody>
-        </p:sp>
-        <p:sp>
-          <p:nvSpPr>
-            <p:cNvPr id="5" name="円/楕円 4"/>
-            <p:cNvSpPr/>
-            <p:nvPr/>
-          </p:nvSpPr>
-          <p:spPr>
-            <a:xfrm>
-              <a:off x="4772973" y="2702349"/>
-              <a:ext cx="45719" cy="45719"/>
-            </a:xfrm>
-            <a:prstGeom prst="ellipse">
-              <a:avLst/>
-            </a:prstGeom>
-            <a:ln>
-              <a:noFill/>
-            </a:ln>
-          </p:spPr>
-          <p:style>
-            <a:lnRef idx="2">
-              <a:schemeClr val="dk1">
-                <a:shade val="50000"/>
-              </a:schemeClr>
-            </a:lnRef>
-            <a:fillRef idx="1">
-              <a:schemeClr val="dk1"/>
-            </a:fillRef>
-            <a:effectRef idx="0">
-              <a:schemeClr val="dk1"/>
-            </a:effectRef>
-            <a:fontRef idx="minor">
-              <a:schemeClr val="lt1"/>
-            </a:fontRef>
-          </p:style>
-          <p:txBody>
-            <a:bodyPr rtlCol="0" anchor="ctr"/>
-            <a:lstStyle/>
-            <a:p>
-              <a:pPr algn="ctr"/>
-              <a:endParaRPr kumimoji="1" lang="ja-JP" altLang="en-US"/>
-            </a:p>
-          </p:txBody>
-        </p:sp>
-        <p:sp>
-          <p:nvSpPr>
-            <p:cNvPr id="8" name="円弧 7"/>
-            <p:cNvSpPr/>
-            <p:nvPr/>
-          </p:nvSpPr>
-          <p:spPr>
-            <a:xfrm rot="16200000">
-              <a:off x="4661202" y="2813546"/>
-              <a:ext cx="241699" cy="73280"/>
-            </a:xfrm>
-            <a:prstGeom prst="arc">
-              <a:avLst/>
-            </a:prstGeom>
-          </p:spPr>
-          <p:style>
-            <a:lnRef idx="1">
-              <a:schemeClr val="dk1"/>
-            </a:lnRef>
-            <a:fillRef idx="0">
-              <a:schemeClr val="dk1"/>
-            </a:fillRef>
-            <a:effectRef idx="0">
-              <a:schemeClr val="dk1"/>
-            </a:effectRef>
-            <a:fontRef idx="minor">
-              <a:schemeClr val="tx1"/>
-            </a:fontRef>
-          </p:style>
-          <p:txBody>
-            <a:bodyPr rtlCol="0" anchor="ctr"/>
-            <a:lstStyle/>
-            <a:p>
-              <a:pPr algn="ctr"/>
-              <a:endParaRPr kumimoji="1" lang="ja-JP" altLang="en-US"/>
-            </a:p>
-          </p:txBody>
-        </p:sp>
-        <p:sp>
-          <p:nvSpPr>
-            <p:cNvPr id="13" name="円弧 12"/>
-            <p:cNvSpPr/>
-            <p:nvPr/>
-          </p:nvSpPr>
-          <p:spPr>
-            <a:xfrm>
-              <a:off x="4518089" y="2730465"/>
-              <a:ext cx="73280" cy="242893"/>
-            </a:xfrm>
-            <a:prstGeom prst="arc">
-              <a:avLst/>
-            </a:prstGeom>
-          </p:spPr>
-          <p:style>
-            <a:lnRef idx="1">
-              <a:schemeClr val="dk1"/>
-            </a:lnRef>
-            <a:fillRef idx="0">
-              <a:schemeClr val="dk1"/>
-            </a:fillRef>
-            <a:effectRef idx="0">
-              <a:schemeClr val="dk1"/>
-            </a:effectRef>
-            <a:fontRef idx="minor">
-              <a:schemeClr val="tx1"/>
-            </a:fontRef>
-          </p:style>
-          <p:txBody>
-            <a:bodyPr rtlCol="0" anchor="ctr"/>
-            <a:lstStyle/>
-            <a:p>
-              <a:pPr algn="ctr"/>
-              <a:endParaRPr kumimoji="1" lang="ja-JP" altLang="en-US"/>
-            </a:p>
-          </p:txBody>
-        </p:sp>
-        <p:sp>
-          <p:nvSpPr>
-            <p:cNvPr id="14" name="円/楕円 13"/>
-            <p:cNvSpPr/>
-            <p:nvPr/>
-          </p:nvSpPr>
-          <p:spPr>
-            <a:xfrm>
-              <a:off x="4530575" y="2702349"/>
-              <a:ext cx="45719" cy="45719"/>
-            </a:xfrm>
-            <a:prstGeom prst="ellipse">
-              <a:avLst/>
-            </a:prstGeom>
-            <a:ln>
-              <a:noFill/>
-            </a:ln>
-          </p:spPr>
-          <p:style>
-            <a:lnRef idx="2">
-              <a:schemeClr val="dk1">
-                <a:shade val="50000"/>
-              </a:schemeClr>
-            </a:lnRef>
-            <a:fillRef idx="1">
-              <a:schemeClr val="dk1"/>
-            </a:fillRef>
-            <a:effectRef idx="0">
-              <a:schemeClr val="dk1"/>
-            </a:effectRef>
-            <a:fontRef idx="minor">
-              <a:schemeClr val="lt1"/>
-            </a:fontRef>
-          </p:style>
-          <p:txBody>
-            <a:bodyPr rtlCol="0" anchor="ctr"/>
-            <a:lstStyle/>
-            <a:p>
-              <a:pPr algn="ctr"/>
-              <a:endParaRPr kumimoji="1" lang="ja-JP" altLang="en-US"/>
-            </a:p>
-          </p:txBody>
-        </p:sp>
-      </p:grpSp>
-      <p:grpSp>
-        <p:nvGrpSpPr>
           <p:cNvPr id="24" name="グループ化 23"/>
           <p:cNvGrpSpPr/>
           <p:nvPr/>
@@ -4930,6 +4627,572 @@
           </p:style>
         </p:cxnSp>
       </p:grpSp>
+      <p:grpSp>
+        <p:nvGrpSpPr>
+          <p:cNvPr id="7" name="グループ化 6"/>
+          <p:cNvGrpSpPr/>
+          <p:nvPr/>
+        </p:nvGrpSpPr>
+        <p:grpSpPr>
+          <a:xfrm>
+            <a:off x="6359422" y="4040495"/>
+            <a:ext cx="1078606" cy="774590"/>
+            <a:chOff x="1341374" y="3839773"/>
+            <a:chExt cx="1078606" cy="774590"/>
+          </a:xfrm>
+        </p:grpSpPr>
+        <p:sp>
+          <p:nvSpPr>
+            <p:cNvPr id="33" name="正方形/長方形 32"/>
+            <p:cNvSpPr/>
+            <p:nvPr/>
+          </p:nvSpPr>
+          <p:spPr>
+            <a:xfrm>
+              <a:off x="2318794" y="4205802"/>
+              <a:ext cx="101186" cy="100599"/>
+            </a:xfrm>
+            <a:prstGeom prst="rect">
+              <a:avLst/>
+            </a:prstGeom>
+            <a:solidFill>
+              <a:schemeClr val="bg1"/>
+            </a:solidFill>
+          </p:spPr>
+          <p:style>
+            <a:lnRef idx="2">
+              <a:schemeClr val="dk1"/>
+            </a:lnRef>
+            <a:fillRef idx="1">
+              <a:schemeClr val="lt1"/>
+            </a:fillRef>
+            <a:effectRef idx="0">
+              <a:schemeClr val="dk1"/>
+            </a:effectRef>
+            <a:fontRef idx="minor">
+              <a:schemeClr val="dk1"/>
+            </a:fontRef>
+          </p:style>
+          <p:txBody>
+            <a:bodyPr rtlCol="0" anchor="ctr"/>
+            <a:lstStyle/>
+            <a:p>
+              <a:pPr algn="ctr"/>
+              <a:endParaRPr kumimoji="1" lang="ja-JP" altLang="en-US"/>
+            </a:p>
+          </p:txBody>
+        </p:sp>
+        <p:sp>
+          <p:nvSpPr>
+            <p:cNvPr id="23" name="正方形/長方形 22"/>
+            <p:cNvSpPr/>
+            <p:nvPr/>
+          </p:nvSpPr>
+          <p:spPr>
+            <a:xfrm>
+              <a:off x="2195720" y="4256102"/>
+              <a:ext cx="152400" cy="205259"/>
+            </a:xfrm>
+            <a:prstGeom prst="rect">
+              <a:avLst/>
+            </a:prstGeom>
+            <a:solidFill>
+              <a:schemeClr val="bg1"/>
+            </a:solidFill>
+          </p:spPr>
+          <p:style>
+            <a:lnRef idx="2">
+              <a:schemeClr val="dk1"/>
+            </a:lnRef>
+            <a:fillRef idx="1">
+              <a:schemeClr val="lt1"/>
+            </a:fillRef>
+            <a:effectRef idx="0">
+              <a:schemeClr val="dk1"/>
+            </a:effectRef>
+            <a:fontRef idx="minor">
+              <a:schemeClr val="dk1"/>
+            </a:fontRef>
+          </p:style>
+          <p:txBody>
+            <a:bodyPr rtlCol="0" anchor="ctr"/>
+            <a:lstStyle/>
+            <a:p>
+              <a:pPr algn="ctr"/>
+              <a:endParaRPr kumimoji="1" lang="ja-JP" altLang="en-US"/>
+            </a:p>
+          </p:txBody>
+        </p:sp>
+        <p:sp>
+          <p:nvSpPr>
+            <p:cNvPr id="22" name="正方形/長方形 21"/>
+            <p:cNvSpPr/>
+            <p:nvPr/>
+          </p:nvSpPr>
+          <p:spPr>
+            <a:xfrm>
+              <a:off x="2064516" y="4326853"/>
+              <a:ext cx="207404" cy="238533"/>
+            </a:xfrm>
+            <a:prstGeom prst="rect">
+              <a:avLst/>
+            </a:prstGeom>
+            <a:solidFill>
+              <a:schemeClr val="bg1"/>
+            </a:solidFill>
+          </p:spPr>
+          <p:style>
+            <a:lnRef idx="2">
+              <a:schemeClr val="dk1"/>
+            </a:lnRef>
+            <a:fillRef idx="1">
+              <a:schemeClr val="lt1"/>
+            </a:fillRef>
+            <a:effectRef idx="0">
+              <a:schemeClr val="dk1"/>
+            </a:effectRef>
+            <a:fontRef idx="minor">
+              <a:schemeClr val="dk1"/>
+            </a:fontRef>
+          </p:style>
+          <p:txBody>
+            <a:bodyPr rtlCol="0" anchor="ctr"/>
+            <a:lstStyle/>
+            <a:p>
+              <a:pPr algn="ctr"/>
+              <a:endParaRPr kumimoji="1" lang="ja-JP" altLang="en-US"/>
+            </a:p>
+          </p:txBody>
+        </p:sp>
+        <p:sp>
+          <p:nvSpPr>
+            <p:cNvPr id="21" name="正方形/長方形 20"/>
+            <p:cNvSpPr/>
+            <p:nvPr/>
+          </p:nvSpPr>
+          <p:spPr>
+            <a:xfrm>
+              <a:off x="1814721" y="4345676"/>
+              <a:ext cx="304800" cy="268687"/>
+            </a:xfrm>
+            <a:prstGeom prst="rect">
+              <a:avLst/>
+            </a:prstGeom>
+            <a:solidFill>
+              <a:schemeClr val="bg1"/>
+            </a:solidFill>
+          </p:spPr>
+          <p:style>
+            <a:lnRef idx="2">
+              <a:schemeClr val="dk1"/>
+            </a:lnRef>
+            <a:fillRef idx="1">
+              <a:schemeClr val="lt1"/>
+            </a:fillRef>
+            <a:effectRef idx="0">
+              <a:schemeClr val="dk1"/>
+            </a:effectRef>
+            <a:fontRef idx="minor">
+              <a:schemeClr val="dk1"/>
+            </a:fontRef>
+          </p:style>
+          <p:txBody>
+            <a:bodyPr rtlCol="0" anchor="ctr"/>
+            <a:lstStyle/>
+            <a:p>
+              <a:pPr algn="ctr"/>
+              <a:endParaRPr kumimoji="1" lang="ja-JP" altLang="en-US"/>
+            </a:p>
+          </p:txBody>
+        </p:sp>
+        <p:sp>
+          <p:nvSpPr>
+            <p:cNvPr id="20" name="正方形/長方形 19"/>
+            <p:cNvSpPr/>
+            <p:nvPr/>
+          </p:nvSpPr>
+          <p:spPr>
+            <a:xfrm>
+              <a:off x="1662321" y="4296699"/>
+              <a:ext cx="304800" cy="268687"/>
+            </a:xfrm>
+            <a:prstGeom prst="rect">
+              <a:avLst/>
+            </a:prstGeom>
+            <a:solidFill>
+              <a:schemeClr val="bg1"/>
+            </a:solidFill>
+          </p:spPr>
+          <p:style>
+            <a:lnRef idx="2">
+              <a:schemeClr val="dk1"/>
+            </a:lnRef>
+            <a:fillRef idx="1">
+              <a:schemeClr val="lt1"/>
+            </a:fillRef>
+            <a:effectRef idx="0">
+              <a:schemeClr val="dk1"/>
+            </a:effectRef>
+            <a:fontRef idx="minor">
+              <a:schemeClr val="dk1"/>
+            </a:fontRef>
+          </p:style>
+          <p:txBody>
+            <a:bodyPr rtlCol="0" anchor="ctr"/>
+            <a:lstStyle/>
+            <a:p>
+              <a:pPr algn="ctr"/>
+              <a:endParaRPr kumimoji="1" lang="ja-JP" altLang="en-US"/>
+            </a:p>
+          </p:txBody>
+        </p:sp>
+        <p:sp>
+          <p:nvSpPr>
+            <p:cNvPr id="6" name="正方形/長方形 5"/>
+            <p:cNvSpPr/>
+            <p:nvPr/>
+          </p:nvSpPr>
+          <p:spPr>
+            <a:xfrm>
+              <a:off x="1509920" y="4144299"/>
+              <a:ext cx="327139" cy="268687"/>
+            </a:xfrm>
+            <a:prstGeom prst="rect">
+              <a:avLst/>
+            </a:prstGeom>
+            <a:solidFill>
+              <a:schemeClr val="bg1"/>
+            </a:solidFill>
+          </p:spPr>
+          <p:style>
+            <a:lnRef idx="2">
+              <a:schemeClr val="dk1"/>
+            </a:lnRef>
+            <a:fillRef idx="1">
+              <a:schemeClr val="lt1"/>
+            </a:fillRef>
+            <a:effectRef idx="0">
+              <a:schemeClr val="dk1"/>
+            </a:effectRef>
+            <a:fontRef idx="minor">
+              <a:schemeClr val="dk1"/>
+            </a:fontRef>
+          </p:style>
+          <p:txBody>
+            <a:bodyPr rtlCol="0" anchor="ctr"/>
+            <a:lstStyle/>
+            <a:p>
+              <a:pPr algn="ctr"/>
+              <a:endParaRPr kumimoji="1" lang="ja-JP" altLang="en-US"/>
+            </a:p>
+          </p:txBody>
+        </p:sp>
+        <p:grpSp>
+          <p:nvGrpSpPr>
+            <p:cNvPr id="15" name="グループ化 14"/>
+            <p:cNvGrpSpPr/>
+            <p:nvPr/>
+          </p:nvGrpSpPr>
+          <p:grpSpPr>
+            <a:xfrm>
+              <a:off x="1341374" y="3839773"/>
+              <a:ext cx="421105" cy="425862"/>
+              <a:chOff x="4463716" y="2702349"/>
+              <a:chExt cx="421105" cy="425862"/>
+            </a:xfrm>
+          </p:grpSpPr>
+          <p:sp>
+            <p:nvSpPr>
+              <p:cNvPr id="2" name="正方形/長方形 1"/>
+              <p:cNvSpPr/>
+              <p:nvPr/>
+            </p:nvSpPr>
+            <p:spPr>
+              <a:xfrm>
+                <a:off x="4463716" y="2851484"/>
+                <a:ext cx="421105" cy="276727"/>
+              </a:xfrm>
+              <a:prstGeom prst="rect">
+                <a:avLst/>
+              </a:prstGeom>
+              <a:solidFill>
+                <a:schemeClr val="bg1"/>
+              </a:solidFill>
+              <a:ln w="6350">
+                <a:solidFill>
+                  <a:schemeClr val="tx1"/>
+                </a:solidFill>
+              </a:ln>
+            </p:spPr>
+            <p:style>
+              <a:lnRef idx="2">
+                <a:schemeClr val="accent1">
+                  <a:shade val="50000"/>
+                </a:schemeClr>
+              </a:lnRef>
+              <a:fillRef idx="1">
+                <a:schemeClr val="accent1"/>
+              </a:fillRef>
+              <a:effectRef idx="0">
+                <a:schemeClr val="accent1"/>
+              </a:effectRef>
+              <a:fontRef idx="minor">
+                <a:schemeClr val="lt1"/>
+              </a:fontRef>
+            </p:style>
+            <p:txBody>
+              <a:bodyPr rtlCol="0" anchor="ctr"/>
+              <a:lstStyle/>
+              <a:p>
+                <a:pPr algn="ctr"/>
+                <a:endParaRPr kumimoji="1" lang="ja-JP" altLang="en-US"/>
+              </a:p>
+            </p:txBody>
+          </p:sp>
+          <p:sp>
+            <p:nvSpPr>
+              <p:cNvPr id="3" name="円/楕円 2"/>
+              <p:cNvSpPr/>
+              <p:nvPr/>
+            </p:nvSpPr>
+            <p:spPr>
+              <a:xfrm>
+                <a:off x="4553576" y="2939841"/>
+                <a:ext cx="61287" cy="67034"/>
+              </a:xfrm>
+              <a:prstGeom prst="ellipse">
+                <a:avLst/>
+              </a:prstGeom>
+            </p:spPr>
+            <p:style>
+              <a:lnRef idx="2">
+                <a:schemeClr val="dk1">
+                  <a:shade val="50000"/>
+                </a:schemeClr>
+              </a:lnRef>
+              <a:fillRef idx="1">
+                <a:schemeClr val="dk1"/>
+              </a:fillRef>
+              <a:effectRef idx="0">
+                <a:schemeClr val="dk1"/>
+              </a:effectRef>
+              <a:fontRef idx="minor">
+                <a:schemeClr val="lt1"/>
+              </a:fontRef>
+            </p:style>
+            <p:txBody>
+              <a:bodyPr rtlCol="0" anchor="ctr"/>
+              <a:lstStyle/>
+              <a:p>
+                <a:pPr algn="ctr"/>
+                <a:endParaRPr kumimoji="1" lang="ja-JP" altLang="en-US"/>
+              </a:p>
+            </p:txBody>
+          </p:sp>
+          <p:sp>
+            <p:nvSpPr>
+              <p:cNvPr id="4" name="円/楕円 3"/>
+              <p:cNvSpPr/>
+              <p:nvPr/>
+            </p:nvSpPr>
+            <p:spPr>
+              <a:xfrm>
+                <a:off x="4731280" y="2939841"/>
+                <a:ext cx="64553" cy="70606"/>
+              </a:xfrm>
+              <a:prstGeom prst="ellipse">
+                <a:avLst/>
+              </a:prstGeom>
+            </p:spPr>
+            <p:style>
+              <a:lnRef idx="2">
+                <a:schemeClr val="dk1">
+                  <a:shade val="50000"/>
+                </a:schemeClr>
+              </a:lnRef>
+              <a:fillRef idx="1">
+                <a:schemeClr val="dk1"/>
+              </a:fillRef>
+              <a:effectRef idx="0">
+                <a:schemeClr val="dk1"/>
+              </a:effectRef>
+              <a:fontRef idx="minor">
+                <a:schemeClr val="lt1"/>
+              </a:fontRef>
+            </p:style>
+            <p:txBody>
+              <a:bodyPr rtlCol="0" anchor="ctr"/>
+              <a:lstStyle/>
+              <a:p>
+                <a:pPr algn="ctr"/>
+                <a:endParaRPr kumimoji="1" lang="ja-JP" altLang="en-US"/>
+              </a:p>
+            </p:txBody>
+          </p:sp>
+          <p:sp>
+            <p:nvSpPr>
+              <p:cNvPr id="5" name="円/楕円 4"/>
+              <p:cNvSpPr/>
+              <p:nvPr/>
+            </p:nvSpPr>
+            <p:spPr>
+              <a:xfrm>
+                <a:off x="4772973" y="2702349"/>
+                <a:ext cx="45719" cy="45719"/>
+              </a:xfrm>
+              <a:prstGeom prst="ellipse">
+                <a:avLst/>
+              </a:prstGeom>
+              <a:ln>
+                <a:noFill/>
+              </a:ln>
+            </p:spPr>
+            <p:style>
+              <a:lnRef idx="2">
+                <a:schemeClr val="dk1">
+                  <a:shade val="50000"/>
+                </a:schemeClr>
+              </a:lnRef>
+              <a:fillRef idx="1">
+                <a:schemeClr val="dk1"/>
+              </a:fillRef>
+              <a:effectRef idx="0">
+                <a:schemeClr val="dk1"/>
+              </a:effectRef>
+              <a:fontRef idx="minor">
+                <a:schemeClr val="lt1"/>
+              </a:fontRef>
+            </p:style>
+            <p:txBody>
+              <a:bodyPr rtlCol="0" anchor="ctr"/>
+              <a:lstStyle/>
+              <a:p>
+                <a:pPr algn="ctr"/>
+                <a:endParaRPr kumimoji="1" lang="ja-JP" altLang="en-US"/>
+              </a:p>
+            </p:txBody>
+          </p:sp>
+          <p:sp>
+            <p:nvSpPr>
+              <p:cNvPr id="8" name="円弧 7"/>
+              <p:cNvSpPr/>
+              <p:nvPr/>
+            </p:nvSpPr>
+            <p:spPr>
+              <a:xfrm rot="16200000">
+                <a:off x="4661202" y="2813546"/>
+                <a:ext cx="241699" cy="73280"/>
+              </a:xfrm>
+              <a:prstGeom prst="arc">
+                <a:avLst/>
+              </a:prstGeom>
+            </p:spPr>
+            <p:style>
+              <a:lnRef idx="1">
+                <a:schemeClr val="dk1"/>
+              </a:lnRef>
+              <a:fillRef idx="0">
+                <a:schemeClr val="dk1"/>
+              </a:fillRef>
+              <a:effectRef idx="0">
+                <a:schemeClr val="dk1"/>
+              </a:effectRef>
+              <a:fontRef idx="minor">
+                <a:schemeClr val="tx1"/>
+              </a:fontRef>
+            </p:style>
+            <p:txBody>
+              <a:bodyPr rtlCol="0" anchor="ctr"/>
+              <a:lstStyle/>
+              <a:p>
+                <a:pPr algn="ctr"/>
+                <a:endParaRPr kumimoji="1" lang="ja-JP" altLang="en-US"/>
+              </a:p>
+            </p:txBody>
+          </p:sp>
+          <p:sp>
+            <p:nvSpPr>
+              <p:cNvPr id="13" name="円弧 12"/>
+              <p:cNvSpPr/>
+              <p:nvPr/>
+            </p:nvSpPr>
+            <p:spPr>
+              <a:xfrm>
+                <a:off x="4518089" y="2730465"/>
+                <a:ext cx="73280" cy="242893"/>
+              </a:xfrm>
+              <a:prstGeom prst="arc">
+                <a:avLst/>
+              </a:prstGeom>
+            </p:spPr>
+            <p:style>
+              <a:lnRef idx="1">
+                <a:schemeClr val="dk1"/>
+              </a:lnRef>
+              <a:fillRef idx="0">
+                <a:schemeClr val="dk1"/>
+              </a:fillRef>
+              <a:effectRef idx="0">
+                <a:schemeClr val="dk1"/>
+              </a:effectRef>
+              <a:fontRef idx="minor">
+                <a:schemeClr val="tx1"/>
+              </a:fontRef>
+            </p:style>
+            <p:txBody>
+              <a:bodyPr rtlCol="0" anchor="ctr"/>
+              <a:lstStyle/>
+              <a:p>
+                <a:pPr algn="ctr"/>
+                <a:endParaRPr kumimoji="1" lang="ja-JP" altLang="en-US"/>
+              </a:p>
+            </p:txBody>
+          </p:sp>
+          <p:sp>
+            <p:nvSpPr>
+              <p:cNvPr id="14" name="円/楕円 13"/>
+              <p:cNvSpPr/>
+              <p:nvPr/>
+            </p:nvSpPr>
+            <p:spPr>
+              <a:xfrm>
+                <a:off x="4530575" y="2702349"/>
+                <a:ext cx="45719" cy="45719"/>
+              </a:xfrm>
+              <a:prstGeom prst="ellipse">
+                <a:avLst/>
+              </a:prstGeom>
+              <a:ln>
+                <a:noFill/>
+              </a:ln>
+            </p:spPr>
+            <p:style>
+              <a:lnRef idx="2">
+                <a:schemeClr val="dk1">
+                  <a:shade val="50000"/>
+                </a:schemeClr>
+              </a:lnRef>
+              <a:fillRef idx="1">
+                <a:schemeClr val="dk1"/>
+              </a:fillRef>
+              <a:effectRef idx="0">
+                <a:schemeClr val="dk1"/>
+              </a:effectRef>
+              <a:fontRef idx="minor">
+                <a:schemeClr val="lt1"/>
+              </a:fontRef>
+            </p:style>
+            <p:txBody>
+              <a:bodyPr rtlCol="0" anchor="ctr"/>
+              <a:lstStyle/>
+              <a:p>
+                <a:pPr algn="ctr"/>
+                <a:endParaRPr kumimoji="1" lang="ja-JP" altLang="en-US"/>
+              </a:p>
+            </p:txBody>
+          </p:sp>
+        </p:grpSp>
+      </p:grpSp>
     </p:spTree>
     <p:extLst>
       <p:ext uri="{BB962C8B-B14F-4D97-AF65-F5344CB8AC3E}">
@@ -5078,9 +5341,9 @@
         <p:grpSpPr>
           <a:xfrm>
             <a:off x="1152115" y="671141"/>
-            <a:ext cx="4580737" cy="5484542"/>
+            <a:ext cx="4488020" cy="5484542"/>
             <a:chOff x="1761715" y="747341"/>
-            <a:chExt cx="4580737" cy="5484542"/>
+            <a:chExt cx="4488020" cy="5484542"/>
           </a:xfrm>
         </p:grpSpPr>
         <p:sp>
@@ -5139,9 +5402,9 @@
           <p:grpSpPr>
             <a:xfrm>
               <a:off x="1761715" y="747341"/>
-              <a:ext cx="4580737" cy="5484542"/>
+              <a:ext cx="4488020" cy="5484542"/>
               <a:chOff x="1761715" y="747341"/>
-              <a:chExt cx="4580737" cy="5484542"/>
+              <a:chExt cx="4488020" cy="5484542"/>
             </a:xfrm>
           </p:grpSpPr>
           <p:sp>
@@ -5469,8 +5732,8 @@
             </p:nvSpPr>
             <p:spPr>
               <a:xfrm rot="16200000">
-                <a:off x="2949009" y="2955974"/>
-                <a:ext cx="4329224" cy="1483927"/>
+                <a:off x="2719585" y="2726550"/>
+                <a:ext cx="5115209" cy="1156791"/>
               </a:xfrm>
               <a:prstGeom prst="bentUpArrow">
                 <a:avLst>
@@ -5840,8 +6103,8 @@
             </p:nvSpPr>
             <p:spPr>
               <a:xfrm>
-                <a:off x="4994006" y="806956"/>
-                <a:ext cx="1348446" cy="307777"/>
+                <a:off x="2204520" y="1299965"/>
+                <a:ext cx="1168910" cy="307777"/>
               </a:xfrm>
               <a:prstGeom prst="rect">
                 <a:avLst/>
@@ -5856,7 +6119,11 @@
               <a:p>
                 <a:r>
                   <a:rPr kumimoji="1" lang="ja-JP" altLang="en-US" sz="1400" dirty="0" smtClean="0"/>
-                  <a:t>スキップ可能？</a:t>
+                  <a:t>スキップ</a:t>
+                </a:r>
+                <a:r>
+                  <a:rPr kumimoji="1" lang="ja-JP" altLang="en-US" sz="1400" dirty="0" smtClean="0"/>
+                  <a:t>可能</a:t>
                 </a:r>
                 <a:endParaRPr kumimoji="1" lang="ja-JP" altLang="en-US" sz="1400" dirty="0"/>
               </a:p>
@@ -5869,9 +6136,9 @@
               <p:nvPr/>
             </p:nvCxnSpPr>
             <p:spPr>
-              <a:xfrm flipH="1">
-                <a:off x="4708784" y="960844"/>
-                <a:ext cx="337828" cy="0"/>
+              <a:xfrm flipV="1">
+                <a:off x="2786788" y="1126848"/>
+                <a:ext cx="173955" cy="223203"/>
               </a:xfrm>
               <a:prstGeom prst="straightConnector1">
                 <a:avLst/>
